--- a/algorithm/electricity/03_denki-koujishi/01_kakomon/R1_1/02_jitsugi/q06/a06.pptx
+++ b/algorithm/electricity/03_denki-koujishi/01_kakomon/R1_1/02_jitsugi/q06/a06.pptx
@@ -6619,149 +6619,6 @@
           </a:p>
         </p:txBody>
       </p:sp>
-      <p:cxnSp>
-        <p:nvCxnSpPr>
-          <p:cNvPr id="65" name="直線コネクタ 64">
-            <a:extLst>
-              <a:ext uri="{FF2B5EF4-FFF2-40B4-BE49-F238E27FC236}">
-                <a16:creationId xmlns:a16="http://schemas.microsoft.com/office/drawing/2014/main" id="{39042E01-0C8C-46DE-BCE6-5CC11FFB1BAC}"/>
-              </a:ext>
-            </a:extLst>
-          </p:cNvPr>
-          <p:cNvCxnSpPr>
-            <a:cxnSpLocks/>
-            <a:endCxn id="44" idx="5"/>
-          </p:cNvCxnSpPr>
-          <p:nvPr/>
-        </p:nvCxnSpPr>
-        <p:spPr>
-          <a:xfrm flipH="1" flipV="1">
-            <a:off x="7162606" y="873332"/>
-            <a:ext cx="88460" cy="5044950"/>
-          </a:xfrm>
-          <a:prstGeom prst="line">
-            <a:avLst/>
-          </a:prstGeom>
-          <a:ln w="57150">
-            <a:solidFill>
-              <a:schemeClr val="bg2">
-                <a:lumMod val="10000"/>
-              </a:schemeClr>
-            </a:solidFill>
-          </a:ln>
-        </p:spPr>
-        <p:style>
-          <a:lnRef idx="1">
-            <a:schemeClr val="accent1"/>
-          </a:lnRef>
-          <a:fillRef idx="0">
-            <a:schemeClr val="accent1"/>
-          </a:fillRef>
-          <a:effectRef idx="0">
-            <a:schemeClr val="accent1"/>
-          </a:effectRef>
-          <a:fontRef idx="minor">
-            <a:schemeClr val="tx1"/>
-          </a:fontRef>
-        </p:style>
-      </p:cxnSp>
-      <p:cxnSp>
-        <p:nvCxnSpPr>
-          <p:cNvPr id="66" name="直線コネクタ 65">
-            <a:extLst>
-              <a:ext uri="{FF2B5EF4-FFF2-40B4-BE49-F238E27FC236}">
-                <a16:creationId xmlns:a16="http://schemas.microsoft.com/office/drawing/2014/main" id="{37947B22-36D2-41FF-91DE-997D0AC98122}"/>
-              </a:ext>
-            </a:extLst>
-          </p:cNvPr>
-          <p:cNvCxnSpPr>
-            <a:cxnSpLocks/>
-          </p:cNvCxnSpPr>
-          <p:nvPr/>
-        </p:nvCxnSpPr>
-        <p:spPr>
-          <a:xfrm>
-            <a:off x="7162606" y="3001428"/>
-            <a:ext cx="2400303" cy="17597"/>
-          </a:xfrm>
-          <a:prstGeom prst="line">
-            <a:avLst/>
-          </a:prstGeom>
-          <a:ln w="57150">
-            <a:solidFill>
-              <a:schemeClr val="bg2">
-                <a:lumMod val="10000"/>
-              </a:schemeClr>
-            </a:solidFill>
-          </a:ln>
-        </p:spPr>
-        <p:style>
-          <a:lnRef idx="1">
-            <a:schemeClr val="accent1"/>
-          </a:lnRef>
-          <a:fillRef idx="0">
-            <a:schemeClr val="accent1"/>
-          </a:fillRef>
-          <a:effectRef idx="0">
-            <a:schemeClr val="accent1"/>
-          </a:effectRef>
-          <a:fontRef idx="minor">
-            <a:schemeClr val="tx1"/>
-          </a:fontRef>
-        </p:style>
-      </p:cxnSp>
-      <p:sp>
-        <p:nvSpPr>
-          <p:cNvPr id="71" name="楕円 70">
-            <a:extLst>
-              <a:ext uri="{FF2B5EF4-FFF2-40B4-BE49-F238E27FC236}">
-                <a16:creationId xmlns:a16="http://schemas.microsoft.com/office/drawing/2014/main" id="{BD5E5CC4-FBCB-474D-94EB-C327011B2C24}"/>
-              </a:ext>
-            </a:extLst>
-          </p:cNvPr>
-          <p:cNvSpPr/>
-          <p:nvPr/>
-        </p:nvSpPr>
-        <p:spPr>
-          <a:xfrm flipV="1">
-            <a:off x="7107562" y="2877121"/>
-            <a:ext cx="176092" cy="182966"/>
-          </a:xfrm>
-          <a:prstGeom prst="ellipse">
-            <a:avLst/>
-          </a:prstGeom>
-          <a:solidFill>
-            <a:schemeClr val="tx1"/>
-          </a:solidFill>
-          <a:ln w="28575">
-            <a:noFill/>
-          </a:ln>
-        </p:spPr>
-        <p:style>
-          <a:lnRef idx="2">
-            <a:schemeClr val="accent1">
-              <a:shade val="50000"/>
-            </a:schemeClr>
-          </a:lnRef>
-          <a:fillRef idx="1">
-            <a:schemeClr val="accent1"/>
-          </a:fillRef>
-          <a:effectRef idx="0">
-            <a:schemeClr val="accent1"/>
-          </a:effectRef>
-          <a:fontRef idx="minor">
-            <a:schemeClr val="lt1"/>
-          </a:fontRef>
-        </p:style>
-        <p:txBody>
-          <a:bodyPr rtlCol="0" anchor="ctr"/>
-          <a:lstStyle/>
-          <a:p>
-            <a:pPr algn="ctr"/>
-            <a:endParaRPr kumimoji="1" lang="ja-JP" altLang="en-US"/>
-          </a:p>
-        </p:txBody>
-      </p:sp>
     </p:spTree>
     <p:extLst>
       <p:ext uri="{BB962C8B-B14F-4D97-AF65-F5344CB8AC3E}">

--- a/algorithm/electricity/03_denki-koujishi/01_kakomon/R1_1/02_jitsugi/q06/a06.pptx
+++ b/algorithm/electricity/03_denki-koujishi/01_kakomon/R1_1/02_jitsugi/q06/a06.pptx
@@ -11,6 +11,7 @@
     <p:sldId id="312" r:id="rId5"/>
     <p:sldId id="313" r:id="rId6"/>
     <p:sldId id="314" r:id="rId7"/>
+    <p:sldId id="315" r:id="rId8"/>
   </p:sldIdLst>
   <p:sldSz cx="12192000" cy="6858000"/>
   <p:notesSz cx="6858000" cy="9144000"/>
@@ -264,7 +265,7 @@
           <a:p>
             <a:fld id="{EA6D781E-2D27-4EF7-AFED-D0940E0D7738}" type="datetimeFigureOut">
               <a:rPr kumimoji="1" lang="ja-JP" altLang="en-US" smtClean="0"/>
-              <a:t>2020/11/19</a:t>
+              <a:t>2020/11/23</a:t>
             </a:fld>
             <a:endParaRPr kumimoji="1" lang="ja-JP" altLang="en-US"/>
           </a:p>
@@ -494,7 +495,7 @@
           <a:p>
             <a:fld id="{EA6D781E-2D27-4EF7-AFED-D0940E0D7738}" type="datetimeFigureOut">
               <a:rPr kumimoji="1" lang="ja-JP" altLang="en-US" smtClean="0"/>
-              <a:t>2020/11/19</a:t>
+              <a:t>2020/11/23</a:t>
             </a:fld>
             <a:endParaRPr kumimoji="1" lang="ja-JP" altLang="en-US"/>
           </a:p>
@@ -734,7 +735,7 @@
           <a:p>
             <a:fld id="{EA6D781E-2D27-4EF7-AFED-D0940E0D7738}" type="datetimeFigureOut">
               <a:rPr kumimoji="1" lang="ja-JP" altLang="en-US" smtClean="0"/>
-              <a:t>2020/11/19</a:t>
+              <a:t>2020/11/23</a:t>
             </a:fld>
             <a:endParaRPr kumimoji="1" lang="ja-JP" altLang="en-US"/>
           </a:p>
@@ -964,7 +965,7 @@
           <a:p>
             <a:fld id="{EA6D781E-2D27-4EF7-AFED-D0940E0D7738}" type="datetimeFigureOut">
               <a:rPr kumimoji="1" lang="ja-JP" altLang="en-US" smtClean="0"/>
-              <a:t>2020/11/19</a:t>
+              <a:t>2020/11/23</a:t>
             </a:fld>
             <a:endParaRPr kumimoji="1" lang="ja-JP" altLang="en-US"/>
           </a:p>
@@ -1239,7 +1240,7 @@
           <a:p>
             <a:fld id="{EA6D781E-2D27-4EF7-AFED-D0940E0D7738}" type="datetimeFigureOut">
               <a:rPr kumimoji="1" lang="ja-JP" altLang="en-US" smtClean="0"/>
-              <a:t>2020/11/19</a:t>
+              <a:t>2020/11/23</a:t>
             </a:fld>
             <a:endParaRPr kumimoji="1" lang="ja-JP" altLang="en-US"/>
           </a:p>
@@ -1568,7 +1569,7 @@
           <a:p>
             <a:fld id="{EA6D781E-2D27-4EF7-AFED-D0940E0D7738}" type="datetimeFigureOut">
               <a:rPr kumimoji="1" lang="ja-JP" altLang="en-US" smtClean="0"/>
-              <a:t>2020/11/19</a:t>
+              <a:t>2020/11/23</a:t>
             </a:fld>
             <a:endParaRPr kumimoji="1" lang="ja-JP" altLang="en-US"/>
           </a:p>
@@ -2044,7 +2045,7 @@
           <a:p>
             <a:fld id="{EA6D781E-2D27-4EF7-AFED-D0940E0D7738}" type="datetimeFigureOut">
               <a:rPr kumimoji="1" lang="ja-JP" altLang="en-US" smtClean="0"/>
-              <a:t>2020/11/19</a:t>
+              <a:t>2020/11/23</a:t>
             </a:fld>
             <a:endParaRPr kumimoji="1" lang="ja-JP" altLang="en-US"/>
           </a:p>
@@ -2185,7 +2186,7 @@
           <a:p>
             <a:fld id="{EA6D781E-2D27-4EF7-AFED-D0940E0D7738}" type="datetimeFigureOut">
               <a:rPr kumimoji="1" lang="ja-JP" altLang="en-US" smtClean="0"/>
-              <a:t>2020/11/19</a:t>
+              <a:t>2020/11/23</a:t>
             </a:fld>
             <a:endParaRPr kumimoji="1" lang="ja-JP" altLang="en-US"/>
           </a:p>
@@ -2298,7 +2299,7 @@
           <a:p>
             <a:fld id="{EA6D781E-2D27-4EF7-AFED-D0940E0D7738}" type="datetimeFigureOut">
               <a:rPr kumimoji="1" lang="ja-JP" altLang="en-US" smtClean="0"/>
-              <a:t>2020/11/19</a:t>
+              <a:t>2020/11/23</a:t>
             </a:fld>
             <a:endParaRPr kumimoji="1" lang="ja-JP" altLang="en-US"/>
           </a:p>
@@ -2641,7 +2642,7 @@
           <a:p>
             <a:fld id="{EA6D781E-2D27-4EF7-AFED-D0940E0D7738}" type="datetimeFigureOut">
               <a:rPr kumimoji="1" lang="ja-JP" altLang="en-US" smtClean="0"/>
-              <a:t>2020/11/19</a:t>
+              <a:t>2020/11/23</a:t>
             </a:fld>
             <a:endParaRPr kumimoji="1" lang="ja-JP" altLang="en-US"/>
           </a:p>
@@ -2929,7 +2930,7 @@
           <a:p>
             <a:fld id="{EA6D781E-2D27-4EF7-AFED-D0940E0D7738}" type="datetimeFigureOut">
               <a:rPr kumimoji="1" lang="ja-JP" altLang="en-US" smtClean="0"/>
-              <a:t>2020/11/19</a:t>
+              <a:t>2020/11/23</a:t>
             </a:fld>
             <a:endParaRPr kumimoji="1" lang="ja-JP" altLang="en-US"/>
           </a:p>
@@ -3202,7 +3203,7 @@
           <a:p>
             <a:fld id="{EA6D781E-2D27-4EF7-AFED-D0940E0D7738}" type="datetimeFigureOut">
               <a:rPr kumimoji="1" lang="ja-JP" altLang="en-US" smtClean="0"/>
-              <a:t>2020/11/19</a:t>
+              <a:t>2020/11/23</a:t>
             </a:fld>
             <a:endParaRPr kumimoji="1" lang="ja-JP" altLang="en-US"/>
           </a:p>
@@ -16480,6 +16481,4560 @@
 </p:sld>
 </file>
 
+<file path=ppt/slides/slide7.xml><?xml version="1.0" encoding="utf-8"?>
+<p:sld xmlns:a="http://schemas.openxmlformats.org/drawingml/2006/main" xmlns:r="http://schemas.openxmlformats.org/officeDocument/2006/relationships" xmlns:p="http://schemas.openxmlformats.org/presentationml/2006/main">
+  <p:cSld>
+    <p:spTree>
+      <p:nvGrpSpPr>
+        <p:cNvPr id="1" name=""/>
+        <p:cNvGrpSpPr/>
+        <p:nvPr/>
+      </p:nvGrpSpPr>
+      <p:grpSpPr>
+        <a:xfrm>
+          <a:off x="0" y="0"/>
+          <a:ext cx="0" cy="0"/>
+          <a:chOff x="0" y="0"/>
+          <a:chExt cx="0" cy="0"/>
+        </a:xfrm>
+      </p:grpSpPr>
+      <p:cxnSp>
+        <p:nvCxnSpPr>
+          <p:cNvPr id="64" name="直線コネクタ 63">
+            <a:extLst>
+              <a:ext uri="{FF2B5EF4-FFF2-40B4-BE49-F238E27FC236}">
+                <a16:creationId xmlns:a16="http://schemas.microsoft.com/office/drawing/2014/main" id="{CD2D5247-1898-4E11-8146-22B139F98814}"/>
+              </a:ext>
+            </a:extLst>
+          </p:cNvPr>
+          <p:cNvCxnSpPr>
+            <a:cxnSpLocks/>
+          </p:cNvCxnSpPr>
+          <p:nvPr/>
+        </p:nvCxnSpPr>
+        <p:spPr>
+          <a:xfrm>
+            <a:off x="1292742" y="865546"/>
+            <a:ext cx="0" cy="1632956"/>
+          </a:xfrm>
+          <a:prstGeom prst="line">
+            <a:avLst/>
+          </a:prstGeom>
+          <a:ln w="57150">
+            <a:solidFill>
+              <a:schemeClr val="accent1">
+                <a:lumMod val="60000"/>
+                <a:lumOff val="40000"/>
+              </a:schemeClr>
+            </a:solidFill>
+          </a:ln>
+        </p:spPr>
+        <p:style>
+          <a:lnRef idx="1">
+            <a:schemeClr val="accent1"/>
+          </a:lnRef>
+          <a:fillRef idx="0">
+            <a:schemeClr val="accent1"/>
+          </a:fillRef>
+          <a:effectRef idx="0">
+            <a:schemeClr val="accent1"/>
+          </a:effectRef>
+          <a:fontRef idx="minor">
+            <a:schemeClr val="tx1"/>
+          </a:fontRef>
+        </p:style>
+      </p:cxnSp>
+      <p:sp>
+        <p:nvSpPr>
+          <p:cNvPr id="44" name="楕円 43">
+            <a:extLst>
+              <a:ext uri="{FF2B5EF4-FFF2-40B4-BE49-F238E27FC236}">
+                <a16:creationId xmlns:a16="http://schemas.microsoft.com/office/drawing/2014/main" id="{F928BFB5-9CA6-4D76-89C5-95229637D3F1}"/>
+              </a:ext>
+            </a:extLst>
+          </p:cNvPr>
+          <p:cNvSpPr/>
+          <p:nvPr/>
+        </p:nvSpPr>
+        <p:spPr>
+          <a:xfrm>
+            <a:off x="6491032" y="174522"/>
+            <a:ext cx="786798" cy="818707"/>
+          </a:xfrm>
+          <a:prstGeom prst="ellipse">
+            <a:avLst/>
+          </a:prstGeom>
+          <a:solidFill>
+            <a:schemeClr val="bg1"/>
+          </a:solidFill>
+          <a:ln w="38100">
+            <a:solidFill>
+              <a:schemeClr val="bg2">
+                <a:lumMod val="10000"/>
+              </a:schemeClr>
+            </a:solidFill>
+          </a:ln>
+        </p:spPr>
+        <p:style>
+          <a:lnRef idx="2">
+            <a:schemeClr val="accent1">
+              <a:shade val="50000"/>
+            </a:schemeClr>
+          </a:lnRef>
+          <a:fillRef idx="1">
+            <a:schemeClr val="accent1"/>
+          </a:fillRef>
+          <a:effectRef idx="0">
+            <a:schemeClr val="accent1"/>
+          </a:effectRef>
+          <a:fontRef idx="minor">
+            <a:schemeClr val="lt1"/>
+          </a:fontRef>
+        </p:style>
+        <p:txBody>
+          <a:bodyPr rtlCol="0" anchor="ctr"/>
+          <a:lstStyle/>
+          <a:p>
+            <a:pPr algn="ctr"/>
+            <a:endParaRPr kumimoji="1" lang="ja-JP" altLang="en-US"/>
+          </a:p>
+        </p:txBody>
+      </p:sp>
+      <p:sp>
+        <p:nvSpPr>
+          <p:cNvPr id="35" name="正方形/長方形 34">
+            <a:extLst>
+              <a:ext uri="{FF2B5EF4-FFF2-40B4-BE49-F238E27FC236}">
+                <a16:creationId xmlns:a16="http://schemas.microsoft.com/office/drawing/2014/main" id="{9BB290CF-8627-4C8E-A04A-C618488AEDA6}"/>
+              </a:ext>
+            </a:extLst>
+          </p:cNvPr>
+          <p:cNvSpPr/>
+          <p:nvPr/>
+        </p:nvSpPr>
+        <p:spPr>
+          <a:xfrm>
+            <a:off x="3618033" y="283498"/>
+            <a:ext cx="951893" cy="521852"/>
+          </a:xfrm>
+          <a:prstGeom prst="rect">
+            <a:avLst/>
+          </a:prstGeom>
+          <a:solidFill>
+            <a:schemeClr val="bg1"/>
+          </a:solidFill>
+          <a:ln w="38100">
+            <a:solidFill>
+              <a:schemeClr val="tx1"/>
+            </a:solidFill>
+          </a:ln>
+        </p:spPr>
+        <p:style>
+          <a:lnRef idx="2">
+            <a:schemeClr val="accent1">
+              <a:shade val="50000"/>
+            </a:schemeClr>
+          </a:lnRef>
+          <a:fillRef idx="1">
+            <a:schemeClr val="accent1"/>
+          </a:fillRef>
+          <a:effectRef idx="0">
+            <a:schemeClr val="accent1"/>
+          </a:effectRef>
+          <a:fontRef idx="minor">
+            <a:schemeClr val="lt1"/>
+          </a:fontRef>
+        </p:style>
+        <p:txBody>
+          <a:bodyPr rtlCol="0" anchor="ctr"/>
+          <a:lstStyle/>
+          <a:p>
+            <a:pPr algn="ctr"/>
+            <a:endParaRPr kumimoji="1" lang="ja-JP" altLang="en-US"/>
+          </a:p>
+        </p:txBody>
+      </p:sp>
+      <p:sp>
+        <p:nvSpPr>
+          <p:cNvPr id="37" name="テキスト ボックス 36">
+            <a:extLst>
+              <a:ext uri="{FF2B5EF4-FFF2-40B4-BE49-F238E27FC236}">
+                <a16:creationId xmlns:a16="http://schemas.microsoft.com/office/drawing/2014/main" id="{46CB5375-02AF-44C3-95CC-D27DE052EDF3}"/>
+              </a:ext>
+            </a:extLst>
+          </p:cNvPr>
+          <p:cNvSpPr txBox="1"/>
+          <p:nvPr/>
+        </p:nvSpPr>
+        <p:spPr>
+          <a:xfrm>
+            <a:off x="3626492" y="283489"/>
+            <a:ext cx="979755" cy="523220"/>
+          </a:xfrm>
+          <a:prstGeom prst="rect">
+            <a:avLst/>
+          </a:prstGeom>
+          <a:noFill/>
+        </p:spPr>
+        <p:txBody>
+          <a:bodyPr wrap="none" rtlCol="0">
+            <a:spAutoFit/>
+          </a:bodyPr>
+          <a:lstStyle/>
+          <a:p>
+            <a:r>
+              <a:rPr kumimoji="1" lang="ja-JP" altLang="en-US" sz="2800" b="1" dirty="0">
+                <a:latin typeface="Cambria Math" panose="02040503050406030204" pitchFamily="18" charset="0"/>
+              </a:rPr>
+              <a:t>（ ）</a:t>
+            </a:r>
+          </a:p>
+        </p:txBody>
+      </p:sp>
+      <p:sp>
+        <p:nvSpPr>
+          <p:cNvPr id="46" name="テキスト ボックス 45">
+            <a:extLst>
+              <a:ext uri="{FF2B5EF4-FFF2-40B4-BE49-F238E27FC236}">
+                <a16:creationId xmlns:a16="http://schemas.microsoft.com/office/drawing/2014/main" id="{2D98B5E7-C3DE-40A1-A297-1839972F6A24}"/>
+              </a:ext>
+            </a:extLst>
+          </p:cNvPr>
+          <p:cNvSpPr txBox="1"/>
+          <p:nvPr/>
+        </p:nvSpPr>
+        <p:spPr>
+          <a:xfrm>
+            <a:off x="4544557" y="343685"/>
+            <a:ext cx="492443" cy="461665"/>
+          </a:xfrm>
+          <a:prstGeom prst="rect">
+            <a:avLst/>
+          </a:prstGeom>
+          <a:noFill/>
+        </p:spPr>
+        <p:txBody>
+          <a:bodyPr wrap="none" rtlCol="0">
+            <a:spAutoFit/>
+          </a:bodyPr>
+          <a:lstStyle/>
+          <a:p>
+            <a:r>
+              <a:rPr kumimoji="1" lang="ja-JP" altLang="en-US" sz="2400" b="1" dirty="0">
+                <a:latin typeface="Georgia" panose="02040502050405020303" pitchFamily="18" charset="0"/>
+              </a:rPr>
+              <a:t>イ</a:t>
+            </a:r>
+          </a:p>
+        </p:txBody>
+      </p:sp>
+      <p:cxnSp>
+        <p:nvCxnSpPr>
+          <p:cNvPr id="55" name="直線コネクタ 54">
+            <a:extLst>
+              <a:ext uri="{FF2B5EF4-FFF2-40B4-BE49-F238E27FC236}">
+                <a16:creationId xmlns:a16="http://schemas.microsoft.com/office/drawing/2014/main" id="{7F65EDAD-F862-4A67-83DB-A8ECF73A00F4}"/>
+              </a:ext>
+            </a:extLst>
+          </p:cNvPr>
+          <p:cNvCxnSpPr>
+            <a:cxnSpLocks/>
+            <a:stCxn id="56" idx="2"/>
+            <a:endCxn id="57" idx="5"/>
+          </p:cNvCxnSpPr>
+          <p:nvPr/>
+        </p:nvCxnSpPr>
+        <p:spPr>
+          <a:xfrm flipH="1">
+            <a:off x="3839806" y="5737558"/>
+            <a:ext cx="564302" cy="255386"/>
+          </a:xfrm>
+          <a:prstGeom prst="line">
+            <a:avLst/>
+          </a:prstGeom>
+          <a:ln w="57150">
+            <a:solidFill>
+              <a:schemeClr val="bg2">
+                <a:lumMod val="10000"/>
+              </a:schemeClr>
+            </a:solidFill>
+          </a:ln>
+        </p:spPr>
+        <p:style>
+          <a:lnRef idx="1">
+            <a:schemeClr val="accent1"/>
+          </a:lnRef>
+          <a:fillRef idx="0">
+            <a:schemeClr val="accent1"/>
+          </a:fillRef>
+          <a:effectRef idx="0">
+            <a:schemeClr val="accent1"/>
+          </a:effectRef>
+          <a:fontRef idx="minor">
+            <a:schemeClr val="tx1"/>
+          </a:fontRef>
+        </p:style>
+      </p:cxnSp>
+      <p:sp>
+        <p:nvSpPr>
+          <p:cNvPr id="56" name="楕円 55">
+            <a:extLst>
+              <a:ext uri="{FF2B5EF4-FFF2-40B4-BE49-F238E27FC236}">
+                <a16:creationId xmlns:a16="http://schemas.microsoft.com/office/drawing/2014/main" id="{6F64983C-8A89-4E4D-8122-0AD058935A51}"/>
+              </a:ext>
+            </a:extLst>
+          </p:cNvPr>
+          <p:cNvSpPr/>
+          <p:nvPr/>
+        </p:nvSpPr>
+        <p:spPr>
+          <a:xfrm flipV="1">
+            <a:off x="4404108" y="5646075"/>
+            <a:ext cx="176092" cy="182966"/>
+          </a:xfrm>
+          <a:prstGeom prst="ellipse">
+            <a:avLst/>
+          </a:prstGeom>
+          <a:noFill/>
+          <a:ln w="28575">
+            <a:solidFill>
+              <a:schemeClr val="tx1"/>
+            </a:solidFill>
+          </a:ln>
+        </p:spPr>
+        <p:style>
+          <a:lnRef idx="2">
+            <a:schemeClr val="accent1">
+              <a:shade val="50000"/>
+            </a:schemeClr>
+          </a:lnRef>
+          <a:fillRef idx="1">
+            <a:schemeClr val="accent1"/>
+          </a:fillRef>
+          <a:effectRef idx="0">
+            <a:schemeClr val="accent1"/>
+          </a:effectRef>
+          <a:fontRef idx="minor">
+            <a:schemeClr val="lt1"/>
+          </a:fontRef>
+        </p:style>
+        <p:txBody>
+          <a:bodyPr rtlCol="0" anchor="ctr"/>
+          <a:lstStyle/>
+          <a:p>
+            <a:pPr algn="ctr"/>
+            <a:endParaRPr kumimoji="1" lang="ja-JP" altLang="en-US"/>
+          </a:p>
+        </p:txBody>
+      </p:sp>
+      <p:sp>
+        <p:nvSpPr>
+          <p:cNvPr id="57" name="楕円 56">
+            <a:extLst>
+              <a:ext uri="{FF2B5EF4-FFF2-40B4-BE49-F238E27FC236}">
+                <a16:creationId xmlns:a16="http://schemas.microsoft.com/office/drawing/2014/main" id="{F4F8F858-C738-46FB-9F0D-CEC6F20372E8}"/>
+              </a:ext>
+            </a:extLst>
+          </p:cNvPr>
+          <p:cNvSpPr/>
+          <p:nvPr/>
+        </p:nvSpPr>
+        <p:spPr>
+          <a:xfrm flipV="1">
+            <a:off x="3689502" y="5966149"/>
+            <a:ext cx="176092" cy="182966"/>
+          </a:xfrm>
+          <a:prstGeom prst="ellipse">
+            <a:avLst/>
+          </a:prstGeom>
+          <a:noFill/>
+          <a:ln w="28575">
+            <a:solidFill>
+              <a:schemeClr val="tx1"/>
+            </a:solidFill>
+          </a:ln>
+        </p:spPr>
+        <p:style>
+          <a:lnRef idx="2">
+            <a:schemeClr val="accent1">
+              <a:shade val="50000"/>
+            </a:schemeClr>
+          </a:lnRef>
+          <a:fillRef idx="1">
+            <a:schemeClr val="accent1"/>
+          </a:fillRef>
+          <a:effectRef idx="0">
+            <a:schemeClr val="accent1"/>
+          </a:effectRef>
+          <a:fontRef idx="minor">
+            <a:schemeClr val="lt1"/>
+          </a:fontRef>
+        </p:style>
+        <p:txBody>
+          <a:bodyPr rtlCol="0" anchor="ctr"/>
+          <a:lstStyle/>
+          <a:p>
+            <a:pPr algn="ctr"/>
+            <a:endParaRPr kumimoji="1" lang="ja-JP" altLang="en-US"/>
+          </a:p>
+        </p:txBody>
+      </p:sp>
+      <p:sp>
+        <p:nvSpPr>
+          <p:cNvPr id="60" name="楕円 59">
+            <a:extLst>
+              <a:ext uri="{FF2B5EF4-FFF2-40B4-BE49-F238E27FC236}">
+                <a16:creationId xmlns:a16="http://schemas.microsoft.com/office/drawing/2014/main" id="{F7B24578-941C-439B-B7BC-DD87230A0A2E}"/>
+              </a:ext>
+            </a:extLst>
+          </p:cNvPr>
+          <p:cNvSpPr/>
+          <p:nvPr/>
+        </p:nvSpPr>
+        <p:spPr>
+          <a:xfrm flipV="1">
+            <a:off x="4384696" y="6399707"/>
+            <a:ext cx="176092" cy="182966"/>
+          </a:xfrm>
+          <a:prstGeom prst="ellipse">
+            <a:avLst/>
+          </a:prstGeom>
+          <a:noFill/>
+          <a:ln w="28575">
+            <a:solidFill>
+              <a:schemeClr val="tx1"/>
+            </a:solidFill>
+          </a:ln>
+        </p:spPr>
+        <p:style>
+          <a:lnRef idx="2">
+            <a:schemeClr val="accent1">
+              <a:shade val="50000"/>
+            </a:schemeClr>
+          </a:lnRef>
+          <a:fillRef idx="1">
+            <a:schemeClr val="accent1"/>
+          </a:fillRef>
+          <a:effectRef idx="0">
+            <a:schemeClr val="accent1"/>
+          </a:effectRef>
+          <a:fontRef idx="minor">
+            <a:schemeClr val="lt1"/>
+          </a:fontRef>
+        </p:style>
+        <p:txBody>
+          <a:bodyPr rtlCol="0" anchor="ctr"/>
+          <a:lstStyle/>
+          <a:p>
+            <a:pPr algn="ctr"/>
+            <a:endParaRPr kumimoji="1" lang="ja-JP" altLang="en-US"/>
+          </a:p>
+        </p:txBody>
+      </p:sp>
+      <p:sp>
+        <p:nvSpPr>
+          <p:cNvPr id="7" name="楕円 6">
+            <a:extLst>
+              <a:ext uri="{FF2B5EF4-FFF2-40B4-BE49-F238E27FC236}">
+                <a16:creationId xmlns:a16="http://schemas.microsoft.com/office/drawing/2014/main" id="{3B110D3F-0631-4A34-B34D-A3A8EAD6EF60}"/>
+              </a:ext>
+            </a:extLst>
+          </p:cNvPr>
+          <p:cNvSpPr/>
+          <p:nvPr/>
+        </p:nvSpPr>
+        <p:spPr>
+          <a:xfrm>
+            <a:off x="3122033" y="1746609"/>
+            <a:ext cx="1943891" cy="1922693"/>
+          </a:xfrm>
+          <a:prstGeom prst="ellipse">
+            <a:avLst/>
+          </a:prstGeom>
+          <a:solidFill>
+            <a:schemeClr val="bg1"/>
+          </a:solidFill>
+          <a:ln w="28575">
+            <a:solidFill>
+              <a:schemeClr val="bg2">
+                <a:lumMod val="10000"/>
+              </a:schemeClr>
+            </a:solidFill>
+            <a:prstDash val="dash"/>
+          </a:ln>
+        </p:spPr>
+        <p:style>
+          <a:lnRef idx="2">
+            <a:schemeClr val="accent1">
+              <a:shade val="50000"/>
+            </a:schemeClr>
+          </a:lnRef>
+          <a:fillRef idx="1">
+            <a:schemeClr val="accent1"/>
+          </a:fillRef>
+          <a:effectRef idx="0">
+            <a:schemeClr val="accent1"/>
+          </a:effectRef>
+          <a:fontRef idx="minor">
+            <a:schemeClr val="lt1"/>
+          </a:fontRef>
+        </p:style>
+        <p:txBody>
+          <a:bodyPr rtlCol="0" anchor="ctr"/>
+          <a:lstStyle/>
+          <a:p>
+            <a:pPr algn="ctr"/>
+            <a:endParaRPr kumimoji="1" lang="ja-JP" altLang="en-US"/>
+          </a:p>
+        </p:txBody>
+      </p:sp>
+      <p:sp>
+        <p:nvSpPr>
+          <p:cNvPr id="9" name="楕円 8">
+            <a:extLst>
+              <a:ext uri="{FF2B5EF4-FFF2-40B4-BE49-F238E27FC236}">
+                <a16:creationId xmlns:a16="http://schemas.microsoft.com/office/drawing/2014/main" id="{5F83C3E4-DD28-48F0-9CF1-131ACAD0A376}"/>
+              </a:ext>
+            </a:extLst>
+          </p:cNvPr>
+          <p:cNvSpPr/>
+          <p:nvPr/>
+        </p:nvSpPr>
+        <p:spPr>
+          <a:xfrm>
+            <a:off x="5912485" y="1746608"/>
+            <a:ext cx="1943891" cy="1922693"/>
+          </a:xfrm>
+          <a:prstGeom prst="ellipse">
+            <a:avLst/>
+          </a:prstGeom>
+          <a:solidFill>
+            <a:schemeClr val="bg1"/>
+          </a:solidFill>
+          <a:ln w="28575">
+            <a:solidFill>
+              <a:schemeClr val="bg2">
+                <a:lumMod val="10000"/>
+              </a:schemeClr>
+            </a:solidFill>
+            <a:prstDash val="dash"/>
+          </a:ln>
+        </p:spPr>
+        <p:style>
+          <a:lnRef idx="2">
+            <a:schemeClr val="accent1">
+              <a:shade val="50000"/>
+            </a:schemeClr>
+          </a:lnRef>
+          <a:fillRef idx="1">
+            <a:schemeClr val="accent1"/>
+          </a:fillRef>
+          <a:effectRef idx="0">
+            <a:schemeClr val="accent1"/>
+          </a:effectRef>
+          <a:fontRef idx="minor">
+            <a:schemeClr val="lt1"/>
+          </a:fontRef>
+        </p:style>
+        <p:txBody>
+          <a:bodyPr rtlCol="0" anchor="ctr"/>
+          <a:lstStyle/>
+          <a:p>
+            <a:pPr algn="ctr"/>
+            <a:endParaRPr kumimoji="1" lang="ja-JP" altLang="en-US"/>
+          </a:p>
+        </p:txBody>
+      </p:sp>
+      <p:sp>
+        <p:nvSpPr>
+          <p:cNvPr id="19" name="テキスト ボックス 18">
+            <a:extLst>
+              <a:ext uri="{FF2B5EF4-FFF2-40B4-BE49-F238E27FC236}">
+                <a16:creationId xmlns:a16="http://schemas.microsoft.com/office/drawing/2014/main" id="{85302768-A1F9-4CD9-A0E3-A11DE63CA098}"/>
+              </a:ext>
+            </a:extLst>
+          </p:cNvPr>
+          <p:cNvSpPr txBox="1"/>
+          <p:nvPr/>
+        </p:nvSpPr>
+        <p:spPr>
+          <a:xfrm>
+            <a:off x="4973530" y="5918282"/>
+            <a:ext cx="570990" cy="461665"/>
+          </a:xfrm>
+          <a:prstGeom prst="rect">
+            <a:avLst/>
+          </a:prstGeom>
+          <a:noFill/>
+        </p:spPr>
+        <p:txBody>
+          <a:bodyPr wrap="none" rtlCol="0">
+            <a:spAutoFit/>
+          </a:bodyPr>
+          <a:lstStyle/>
+          <a:p>
+            <a:r>
+              <a:rPr kumimoji="1" lang="ja-JP" altLang="en-US" sz="2400" b="1" dirty="0">
+                <a:latin typeface="Georgia" panose="02040502050405020303" pitchFamily="18" charset="0"/>
+              </a:rPr>
+              <a:t>イ </a:t>
+            </a:r>
+          </a:p>
+        </p:txBody>
+      </p:sp>
+      <p:sp>
+        <p:nvSpPr>
+          <p:cNvPr id="20" name="テキスト ボックス 19">
+            <a:extLst>
+              <a:ext uri="{FF2B5EF4-FFF2-40B4-BE49-F238E27FC236}">
+                <a16:creationId xmlns:a16="http://schemas.microsoft.com/office/drawing/2014/main" id="{717BE03C-CB30-4BDE-AEBF-A8972D86E172}"/>
+              </a:ext>
+            </a:extLst>
+          </p:cNvPr>
+          <p:cNvSpPr txBox="1"/>
+          <p:nvPr/>
+        </p:nvSpPr>
+        <p:spPr>
+          <a:xfrm>
+            <a:off x="4585345" y="5506380"/>
+            <a:ext cx="492443" cy="461665"/>
+          </a:xfrm>
+          <a:prstGeom prst="rect">
+            <a:avLst/>
+          </a:prstGeom>
+          <a:noFill/>
+        </p:spPr>
+        <p:txBody>
+          <a:bodyPr wrap="none" rtlCol="0">
+            <a:spAutoFit/>
+          </a:bodyPr>
+          <a:lstStyle/>
+          <a:p>
+            <a:r>
+              <a:rPr kumimoji="1" lang="ja-JP" altLang="en-US" sz="2400" b="1" dirty="0">
+                <a:latin typeface="Georgia" panose="02040502050405020303" pitchFamily="18" charset="0"/>
+              </a:rPr>
+              <a:t>１</a:t>
+            </a:r>
+          </a:p>
+        </p:txBody>
+      </p:sp>
+      <p:sp>
+        <p:nvSpPr>
+          <p:cNvPr id="22" name="テキスト ボックス 21">
+            <a:extLst>
+              <a:ext uri="{FF2B5EF4-FFF2-40B4-BE49-F238E27FC236}">
+                <a16:creationId xmlns:a16="http://schemas.microsoft.com/office/drawing/2014/main" id="{2C46EEC2-48D6-4BF1-A8A0-1557EBB31F79}"/>
+              </a:ext>
+            </a:extLst>
+          </p:cNvPr>
+          <p:cNvSpPr txBox="1"/>
+          <p:nvPr/>
+        </p:nvSpPr>
+        <p:spPr>
+          <a:xfrm>
+            <a:off x="5855975" y="6260357"/>
+            <a:ext cx="613925" cy="461665"/>
+          </a:xfrm>
+          <a:prstGeom prst="rect">
+            <a:avLst/>
+          </a:prstGeom>
+          <a:noFill/>
+        </p:spPr>
+        <p:txBody>
+          <a:bodyPr wrap="square" rtlCol="0">
+            <a:spAutoFit/>
+          </a:bodyPr>
+          <a:lstStyle/>
+          <a:p>
+            <a:r>
+              <a:rPr kumimoji="1" lang="ja-JP" altLang="en-US" sz="2400" b="1" dirty="0">
+                <a:latin typeface="Georgia" panose="02040502050405020303" pitchFamily="18" charset="0"/>
+              </a:rPr>
+              <a:t>３</a:t>
+            </a:r>
+          </a:p>
+        </p:txBody>
+      </p:sp>
+      <p:sp>
+        <p:nvSpPr>
+          <p:cNvPr id="34" name="テキスト ボックス 33">
+            <a:extLst>
+              <a:ext uri="{FF2B5EF4-FFF2-40B4-BE49-F238E27FC236}">
+                <a16:creationId xmlns:a16="http://schemas.microsoft.com/office/drawing/2014/main" id="{D587C114-9690-4E7A-B5AD-BF70E45EE3E1}"/>
+              </a:ext>
+            </a:extLst>
+          </p:cNvPr>
+          <p:cNvSpPr txBox="1"/>
+          <p:nvPr/>
+        </p:nvSpPr>
+        <p:spPr>
+          <a:xfrm>
+            <a:off x="3064418" y="5828696"/>
+            <a:ext cx="613925" cy="461665"/>
+          </a:xfrm>
+          <a:prstGeom prst="rect">
+            <a:avLst/>
+          </a:prstGeom>
+          <a:noFill/>
+        </p:spPr>
+        <p:txBody>
+          <a:bodyPr wrap="square" rtlCol="0">
+            <a:spAutoFit/>
+          </a:bodyPr>
+          <a:lstStyle/>
+          <a:p>
+            <a:r>
+              <a:rPr kumimoji="1" lang="ja-JP" altLang="en-US" sz="2400" b="1" dirty="0">
+                <a:latin typeface="Georgia" panose="02040502050405020303" pitchFamily="18" charset="0"/>
+              </a:rPr>
+              <a:t>０</a:t>
+            </a:r>
+          </a:p>
+        </p:txBody>
+      </p:sp>
+      <p:sp>
+        <p:nvSpPr>
+          <p:cNvPr id="38" name="楕円 37">
+            <a:extLst>
+              <a:ext uri="{FF2B5EF4-FFF2-40B4-BE49-F238E27FC236}">
+                <a16:creationId xmlns:a16="http://schemas.microsoft.com/office/drawing/2014/main" id="{A3B79198-6999-4603-B62D-81F32C9C9A1A}"/>
+              </a:ext>
+            </a:extLst>
+          </p:cNvPr>
+          <p:cNvSpPr/>
+          <p:nvPr/>
+        </p:nvSpPr>
+        <p:spPr>
+          <a:xfrm flipV="1">
+            <a:off x="7175650" y="5966149"/>
+            <a:ext cx="176092" cy="182966"/>
+          </a:xfrm>
+          <a:prstGeom prst="ellipse">
+            <a:avLst/>
+          </a:prstGeom>
+          <a:noFill/>
+          <a:ln w="28575">
+            <a:solidFill>
+              <a:schemeClr val="tx1"/>
+            </a:solidFill>
+          </a:ln>
+        </p:spPr>
+        <p:style>
+          <a:lnRef idx="2">
+            <a:schemeClr val="accent1">
+              <a:shade val="50000"/>
+            </a:schemeClr>
+          </a:lnRef>
+          <a:fillRef idx="1">
+            <a:schemeClr val="accent1"/>
+          </a:fillRef>
+          <a:effectRef idx="0">
+            <a:schemeClr val="accent1"/>
+          </a:effectRef>
+          <a:fontRef idx="minor">
+            <a:schemeClr val="lt1"/>
+          </a:fontRef>
+        </p:style>
+        <p:txBody>
+          <a:bodyPr rtlCol="0" anchor="ctr"/>
+          <a:lstStyle/>
+          <a:p>
+            <a:pPr algn="ctr"/>
+            <a:endParaRPr kumimoji="1" lang="ja-JP" altLang="en-US"/>
+          </a:p>
+        </p:txBody>
+      </p:sp>
+      <p:sp>
+        <p:nvSpPr>
+          <p:cNvPr id="39" name="楕円 38">
+            <a:extLst>
+              <a:ext uri="{FF2B5EF4-FFF2-40B4-BE49-F238E27FC236}">
+                <a16:creationId xmlns:a16="http://schemas.microsoft.com/office/drawing/2014/main" id="{F62C84D7-884C-42FC-B21B-B5C316097192}"/>
+              </a:ext>
+            </a:extLst>
+          </p:cNvPr>
+          <p:cNvSpPr/>
+          <p:nvPr/>
+        </p:nvSpPr>
+        <p:spPr>
+          <a:xfrm flipV="1">
+            <a:off x="6375973" y="5594791"/>
+            <a:ext cx="176092" cy="182966"/>
+          </a:xfrm>
+          <a:prstGeom prst="ellipse">
+            <a:avLst/>
+          </a:prstGeom>
+          <a:noFill/>
+          <a:ln w="28575">
+            <a:solidFill>
+              <a:schemeClr val="tx1"/>
+            </a:solidFill>
+          </a:ln>
+        </p:spPr>
+        <p:style>
+          <a:lnRef idx="2">
+            <a:schemeClr val="accent1">
+              <a:shade val="50000"/>
+            </a:schemeClr>
+          </a:lnRef>
+          <a:fillRef idx="1">
+            <a:schemeClr val="accent1"/>
+          </a:fillRef>
+          <a:effectRef idx="0">
+            <a:schemeClr val="accent1"/>
+          </a:effectRef>
+          <a:fontRef idx="minor">
+            <a:schemeClr val="lt1"/>
+          </a:fontRef>
+        </p:style>
+        <p:txBody>
+          <a:bodyPr rtlCol="0" anchor="ctr"/>
+          <a:lstStyle/>
+          <a:p>
+            <a:pPr algn="ctr"/>
+            <a:endParaRPr kumimoji="1" lang="ja-JP" altLang="en-US"/>
+          </a:p>
+        </p:txBody>
+      </p:sp>
+      <p:sp>
+        <p:nvSpPr>
+          <p:cNvPr id="40" name="楕円 39">
+            <a:extLst>
+              <a:ext uri="{FF2B5EF4-FFF2-40B4-BE49-F238E27FC236}">
+                <a16:creationId xmlns:a16="http://schemas.microsoft.com/office/drawing/2014/main" id="{C442249A-818F-4F60-A58B-38A92F32A832}"/>
+              </a:ext>
+            </a:extLst>
+          </p:cNvPr>
+          <p:cNvSpPr/>
+          <p:nvPr/>
+        </p:nvSpPr>
+        <p:spPr>
+          <a:xfrm flipV="1">
+            <a:off x="6402986" y="6399707"/>
+            <a:ext cx="176092" cy="182966"/>
+          </a:xfrm>
+          <a:prstGeom prst="ellipse">
+            <a:avLst/>
+          </a:prstGeom>
+          <a:noFill/>
+          <a:ln w="28575">
+            <a:solidFill>
+              <a:schemeClr val="tx1"/>
+            </a:solidFill>
+          </a:ln>
+        </p:spPr>
+        <p:style>
+          <a:lnRef idx="2">
+            <a:schemeClr val="accent1">
+              <a:shade val="50000"/>
+            </a:schemeClr>
+          </a:lnRef>
+          <a:fillRef idx="1">
+            <a:schemeClr val="accent1"/>
+          </a:fillRef>
+          <a:effectRef idx="0">
+            <a:schemeClr val="accent1"/>
+          </a:effectRef>
+          <a:fontRef idx="minor">
+            <a:schemeClr val="lt1"/>
+          </a:fontRef>
+        </p:style>
+        <p:txBody>
+          <a:bodyPr rtlCol="0" anchor="ctr"/>
+          <a:lstStyle/>
+          <a:p>
+            <a:pPr algn="ctr"/>
+            <a:endParaRPr kumimoji="1" lang="ja-JP" altLang="en-US"/>
+          </a:p>
+        </p:txBody>
+      </p:sp>
+      <p:sp>
+        <p:nvSpPr>
+          <p:cNvPr id="41" name="テキスト ボックス 40">
+            <a:extLst>
+              <a:ext uri="{FF2B5EF4-FFF2-40B4-BE49-F238E27FC236}">
+                <a16:creationId xmlns:a16="http://schemas.microsoft.com/office/drawing/2014/main" id="{6CD88FDC-19FF-476A-AC05-9453235DACB4}"/>
+              </a:ext>
+            </a:extLst>
+          </p:cNvPr>
+          <p:cNvSpPr txBox="1"/>
+          <p:nvPr/>
+        </p:nvSpPr>
+        <p:spPr>
+          <a:xfrm>
+            <a:off x="5801322" y="5375136"/>
+            <a:ext cx="492443" cy="461665"/>
+          </a:xfrm>
+          <a:prstGeom prst="rect">
+            <a:avLst/>
+          </a:prstGeom>
+          <a:noFill/>
+        </p:spPr>
+        <p:txBody>
+          <a:bodyPr wrap="none" rtlCol="0">
+            <a:spAutoFit/>
+          </a:bodyPr>
+          <a:lstStyle/>
+          <a:p>
+            <a:r>
+              <a:rPr kumimoji="1" lang="ja-JP" altLang="en-US" sz="2400" b="1" dirty="0">
+                <a:latin typeface="Georgia" panose="02040502050405020303" pitchFamily="18" charset="0"/>
+              </a:rPr>
+              <a:t>１</a:t>
+            </a:r>
+          </a:p>
+        </p:txBody>
+      </p:sp>
+      <p:sp>
+        <p:nvSpPr>
+          <p:cNvPr id="42" name="テキスト ボックス 41">
+            <a:extLst>
+              <a:ext uri="{FF2B5EF4-FFF2-40B4-BE49-F238E27FC236}">
+                <a16:creationId xmlns:a16="http://schemas.microsoft.com/office/drawing/2014/main" id="{B2857C0C-5020-4605-B53C-FDFE484F7122}"/>
+              </a:ext>
+            </a:extLst>
+          </p:cNvPr>
+          <p:cNvSpPr txBox="1"/>
+          <p:nvPr/>
+        </p:nvSpPr>
+        <p:spPr>
+          <a:xfrm>
+            <a:off x="7319360" y="5926909"/>
+            <a:ext cx="613925" cy="461665"/>
+          </a:xfrm>
+          <a:prstGeom prst="rect">
+            <a:avLst/>
+          </a:prstGeom>
+          <a:noFill/>
+        </p:spPr>
+        <p:txBody>
+          <a:bodyPr wrap="square" rtlCol="0">
+            <a:spAutoFit/>
+          </a:bodyPr>
+          <a:lstStyle/>
+          <a:p>
+            <a:r>
+              <a:rPr kumimoji="1" lang="ja-JP" altLang="en-US" sz="2400" b="1" dirty="0">
+                <a:latin typeface="Georgia" panose="02040502050405020303" pitchFamily="18" charset="0"/>
+              </a:rPr>
+              <a:t>０</a:t>
+            </a:r>
+          </a:p>
+        </p:txBody>
+      </p:sp>
+      <p:sp>
+        <p:nvSpPr>
+          <p:cNvPr id="43" name="テキスト ボックス 42">
+            <a:extLst>
+              <a:ext uri="{FF2B5EF4-FFF2-40B4-BE49-F238E27FC236}">
+                <a16:creationId xmlns:a16="http://schemas.microsoft.com/office/drawing/2014/main" id="{B6BF9020-D1F5-4F44-B7F5-4CD668544052}"/>
+              </a:ext>
+            </a:extLst>
+          </p:cNvPr>
+          <p:cNvSpPr txBox="1"/>
+          <p:nvPr/>
+        </p:nvSpPr>
+        <p:spPr>
+          <a:xfrm>
+            <a:off x="4521263" y="6290361"/>
+            <a:ext cx="613925" cy="461665"/>
+          </a:xfrm>
+          <a:prstGeom prst="rect">
+            <a:avLst/>
+          </a:prstGeom>
+          <a:noFill/>
+        </p:spPr>
+        <p:txBody>
+          <a:bodyPr wrap="square" rtlCol="0">
+            <a:spAutoFit/>
+          </a:bodyPr>
+          <a:lstStyle/>
+          <a:p>
+            <a:r>
+              <a:rPr kumimoji="1" lang="ja-JP" altLang="en-US" sz="2400" b="1" dirty="0">
+                <a:latin typeface="Georgia" panose="02040502050405020303" pitchFamily="18" charset="0"/>
+              </a:rPr>
+              <a:t>３</a:t>
+            </a:r>
+          </a:p>
+        </p:txBody>
+      </p:sp>
+      <p:sp>
+        <p:nvSpPr>
+          <p:cNvPr id="45" name="テキスト ボックス 44">
+            <a:extLst>
+              <a:ext uri="{FF2B5EF4-FFF2-40B4-BE49-F238E27FC236}">
+                <a16:creationId xmlns:a16="http://schemas.microsoft.com/office/drawing/2014/main" id="{8875F3E9-1EC6-4A21-96ED-F4EA2F031381}"/>
+              </a:ext>
+            </a:extLst>
+          </p:cNvPr>
+          <p:cNvSpPr txBox="1"/>
+          <p:nvPr/>
+        </p:nvSpPr>
+        <p:spPr>
+          <a:xfrm>
+            <a:off x="8076995" y="5926909"/>
+            <a:ext cx="570990" cy="461665"/>
+          </a:xfrm>
+          <a:prstGeom prst="rect">
+            <a:avLst/>
+          </a:prstGeom>
+          <a:noFill/>
+        </p:spPr>
+        <p:txBody>
+          <a:bodyPr wrap="none" rtlCol="0">
+            <a:spAutoFit/>
+          </a:bodyPr>
+          <a:lstStyle/>
+          <a:p>
+            <a:r>
+              <a:rPr kumimoji="1" lang="ja-JP" altLang="en-US" sz="2400" b="1" dirty="0">
+                <a:latin typeface="Georgia" panose="02040502050405020303" pitchFamily="18" charset="0"/>
+              </a:rPr>
+              <a:t>イ </a:t>
+            </a:r>
+          </a:p>
+        </p:txBody>
+      </p:sp>
+      <p:cxnSp>
+        <p:nvCxnSpPr>
+          <p:cNvPr id="47" name="直線コネクタ 46">
+            <a:extLst>
+              <a:ext uri="{FF2B5EF4-FFF2-40B4-BE49-F238E27FC236}">
+                <a16:creationId xmlns:a16="http://schemas.microsoft.com/office/drawing/2014/main" id="{755FF79D-D77A-4E2C-9465-E7F9EF3C78DC}"/>
+              </a:ext>
+            </a:extLst>
+          </p:cNvPr>
+          <p:cNvCxnSpPr>
+            <a:cxnSpLocks/>
+          </p:cNvCxnSpPr>
+          <p:nvPr/>
+        </p:nvCxnSpPr>
+        <p:spPr>
+          <a:xfrm flipH="1" flipV="1">
+            <a:off x="6587392" y="5646075"/>
+            <a:ext cx="676304" cy="320074"/>
+          </a:xfrm>
+          <a:prstGeom prst="line">
+            <a:avLst/>
+          </a:prstGeom>
+          <a:ln w="57150">
+            <a:solidFill>
+              <a:schemeClr val="bg2">
+                <a:lumMod val="10000"/>
+              </a:schemeClr>
+            </a:solidFill>
+          </a:ln>
+        </p:spPr>
+        <p:style>
+          <a:lnRef idx="1">
+            <a:schemeClr val="accent1"/>
+          </a:lnRef>
+          <a:fillRef idx="0">
+            <a:schemeClr val="accent1"/>
+          </a:fillRef>
+          <a:effectRef idx="0">
+            <a:schemeClr val="accent1"/>
+          </a:effectRef>
+          <a:fontRef idx="minor">
+            <a:schemeClr val="tx1"/>
+          </a:fontRef>
+        </p:style>
+      </p:cxnSp>
+      <p:cxnSp>
+        <p:nvCxnSpPr>
+          <p:cNvPr id="48" name="直線コネクタ 47">
+            <a:extLst>
+              <a:ext uri="{FF2B5EF4-FFF2-40B4-BE49-F238E27FC236}">
+                <a16:creationId xmlns:a16="http://schemas.microsoft.com/office/drawing/2014/main" id="{3731532D-86CA-47FD-8FC0-BFD17631A859}"/>
+              </a:ext>
+            </a:extLst>
+          </p:cNvPr>
+          <p:cNvCxnSpPr>
+            <a:cxnSpLocks/>
+          </p:cNvCxnSpPr>
+          <p:nvPr/>
+        </p:nvCxnSpPr>
+        <p:spPr>
+          <a:xfrm flipH="1" flipV="1">
+            <a:off x="6493742" y="681564"/>
+            <a:ext cx="769954" cy="23016"/>
+          </a:xfrm>
+          <a:prstGeom prst="line">
+            <a:avLst/>
+          </a:prstGeom>
+          <a:ln w="57150">
+            <a:solidFill>
+              <a:schemeClr val="bg2">
+                <a:lumMod val="10000"/>
+              </a:schemeClr>
+            </a:solidFill>
+          </a:ln>
+        </p:spPr>
+        <p:style>
+          <a:lnRef idx="1">
+            <a:schemeClr val="accent1"/>
+          </a:lnRef>
+          <a:fillRef idx="0">
+            <a:schemeClr val="accent1"/>
+          </a:fillRef>
+          <a:effectRef idx="0">
+            <a:schemeClr val="accent1"/>
+          </a:effectRef>
+          <a:fontRef idx="minor">
+            <a:schemeClr val="tx1"/>
+          </a:fontRef>
+        </p:style>
+      </p:cxnSp>
+      <p:cxnSp>
+        <p:nvCxnSpPr>
+          <p:cNvPr id="49" name="直線コネクタ 48">
+            <a:extLst>
+              <a:ext uri="{FF2B5EF4-FFF2-40B4-BE49-F238E27FC236}">
+                <a16:creationId xmlns:a16="http://schemas.microsoft.com/office/drawing/2014/main" id="{91D05FE3-0718-435C-BF18-87E37E24D1AC}"/>
+              </a:ext>
+            </a:extLst>
+          </p:cNvPr>
+          <p:cNvCxnSpPr>
+            <a:cxnSpLocks/>
+          </p:cNvCxnSpPr>
+          <p:nvPr/>
+        </p:nvCxnSpPr>
+        <p:spPr>
+          <a:xfrm>
+            <a:off x="6721557" y="228608"/>
+            <a:ext cx="0" cy="490279"/>
+          </a:xfrm>
+          <a:prstGeom prst="line">
+            <a:avLst/>
+          </a:prstGeom>
+          <a:ln w="57150">
+            <a:solidFill>
+              <a:schemeClr val="bg2">
+                <a:lumMod val="10000"/>
+              </a:schemeClr>
+            </a:solidFill>
+          </a:ln>
+        </p:spPr>
+        <p:style>
+          <a:lnRef idx="1">
+            <a:schemeClr val="accent1"/>
+          </a:lnRef>
+          <a:fillRef idx="0">
+            <a:schemeClr val="accent1"/>
+          </a:fillRef>
+          <a:effectRef idx="0">
+            <a:schemeClr val="accent1"/>
+          </a:effectRef>
+          <a:fontRef idx="minor">
+            <a:schemeClr val="tx1"/>
+          </a:fontRef>
+        </p:style>
+      </p:cxnSp>
+      <p:cxnSp>
+        <p:nvCxnSpPr>
+          <p:cNvPr id="52" name="直線コネクタ 51">
+            <a:extLst>
+              <a:ext uri="{FF2B5EF4-FFF2-40B4-BE49-F238E27FC236}">
+                <a16:creationId xmlns:a16="http://schemas.microsoft.com/office/drawing/2014/main" id="{72DA4A13-0C5C-42F5-B62A-5B45322A6660}"/>
+              </a:ext>
+            </a:extLst>
+          </p:cNvPr>
+          <p:cNvCxnSpPr>
+            <a:cxnSpLocks/>
+          </p:cNvCxnSpPr>
+          <p:nvPr/>
+        </p:nvCxnSpPr>
+        <p:spPr>
+          <a:xfrm>
+            <a:off x="7013787" y="228608"/>
+            <a:ext cx="0" cy="441049"/>
+          </a:xfrm>
+          <a:prstGeom prst="line">
+            <a:avLst/>
+          </a:prstGeom>
+          <a:ln w="57150">
+            <a:solidFill>
+              <a:schemeClr val="bg2">
+                <a:lumMod val="10000"/>
+              </a:schemeClr>
+            </a:solidFill>
+          </a:ln>
+        </p:spPr>
+        <p:style>
+          <a:lnRef idx="1">
+            <a:schemeClr val="accent1"/>
+          </a:lnRef>
+          <a:fillRef idx="0">
+            <a:schemeClr val="accent1"/>
+          </a:fillRef>
+          <a:effectRef idx="0">
+            <a:schemeClr val="accent1"/>
+          </a:effectRef>
+          <a:fontRef idx="minor">
+            <a:schemeClr val="tx1"/>
+          </a:fontRef>
+        </p:style>
+      </p:cxnSp>
+      <p:cxnSp>
+        <p:nvCxnSpPr>
+          <p:cNvPr id="54" name="直線コネクタ 53">
+            <a:extLst>
+              <a:ext uri="{FF2B5EF4-FFF2-40B4-BE49-F238E27FC236}">
+                <a16:creationId xmlns:a16="http://schemas.microsoft.com/office/drawing/2014/main" id="{5B8DFC99-A603-4DD6-82BB-F4FA55EA6640}"/>
+              </a:ext>
+            </a:extLst>
+          </p:cNvPr>
+          <p:cNvCxnSpPr>
+            <a:cxnSpLocks/>
+          </p:cNvCxnSpPr>
+          <p:nvPr/>
+        </p:nvCxnSpPr>
+        <p:spPr>
+          <a:xfrm flipH="1">
+            <a:off x="1292742" y="2438307"/>
+            <a:ext cx="8200051" cy="28466"/>
+          </a:xfrm>
+          <a:prstGeom prst="line">
+            <a:avLst/>
+          </a:prstGeom>
+          <a:ln w="57150">
+            <a:solidFill>
+              <a:schemeClr val="accent1">
+                <a:lumMod val="60000"/>
+                <a:lumOff val="40000"/>
+              </a:schemeClr>
+            </a:solidFill>
+          </a:ln>
+        </p:spPr>
+        <p:style>
+          <a:lnRef idx="1">
+            <a:schemeClr val="accent1"/>
+          </a:lnRef>
+          <a:fillRef idx="0">
+            <a:schemeClr val="accent1"/>
+          </a:fillRef>
+          <a:effectRef idx="0">
+            <a:schemeClr val="accent1"/>
+          </a:effectRef>
+          <a:fontRef idx="minor">
+            <a:schemeClr val="tx1"/>
+          </a:fontRef>
+        </p:style>
+      </p:cxnSp>
+      <p:sp>
+        <p:nvSpPr>
+          <p:cNvPr id="59" name="テキスト ボックス 58">
+            <a:extLst>
+              <a:ext uri="{FF2B5EF4-FFF2-40B4-BE49-F238E27FC236}">
+                <a16:creationId xmlns:a16="http://schemas.microsoft.com/office/drawing/2014/main" id="{B6D073DF-5CFE-4F76-875A-22183B3B15AC}"/>
+              </a:ext>
+            </a:extLst>
+          </p:cNvPr>
+          <p:cNvSpPr txBox="1"/>
+          <p:nvPr/>
+        </p:nvSpPr>
+        <p:spPr>
+          <a:xfrm>
+            <a:off x="9572335" y="2207474"/>
+            <a:ext cx="442750" cy="461665"/>
+          </a:xfrm>
+          <a:prstGeom prst="rect">
+            <a:avLst/>
+          </a:prstGeom>
+          <a:noFill/>
+        </p:spPr>
+        <p:txBody>
+          <a:bodyPr wrap="none" rtlCol="0">
+            <a:spAutoFit/>
+          </a:bodyPr>
+          <a:lstStyle/>
+          <a:p>
+            <a:r>
+              <a:rPr lang="en-US" altLang="ja-JP" sz="2400" b="1" dirty="0">
+                <a:latin typeface="Georgia" panose="02040502050405020303" pitchFamily="18" charset="0"/>
+              </a:rPr>
+              <a:t>N</a:t>
+            </a:r>
+            <a:endParaRPr kumimoji="1" lang="ja-JP" altLang="en-US" sz="2400" b="1" dirty="0">
+              <a:latin typeface="Georgia" panose="02040502050405020303" pitchFamily="18" charset="0"/>
+            </a:endParaRPr>
+          </a:p>
+        </p:txBody>
+      </p:sp>
+      <p:sp>
+        <p:nvSpPr>
+          <p:cNvPr id="62" name="テキスト ボックス 61">
+            <a:extLst>
+              <a:ext uri="{FF2B5EF4-FFF2-40B4-BE49-F238E27FC236}">
+                <a16:creationId xmlns:a16="http://schemas.microsoft.com/office/drawing/2014/main" id="{C597223E-4A96-43CD-B173-B1519D614EF1}"/>
+              </a:ext>
+            </a:extLst>
+          </p:cNvPr>
+          <p:cNvSpPr txBox="1"/>
+          <p:nvPr/>
+        </p:nvSpPr>
+        <p:spPr>
+          <a:xfrm>
+            <a:off x="9572335" y="2788193"/>
+            <a:ext cx="396262" cy="461665"/>
+          </a:xfrm>
+          <a:prstGeom prst="rect">
+            <a:avLst/>
+          </a:prstGeom>
+          <a:noFill/>
+        </p:spPr>
+        <p:txBody>
+          <a:bodyPr wrap="none" rtlCol="0">
+            <a:spAutoFit/>
+          </a:bodyPr>
+          <a:lstStyle/>
+          <a:p>
+            <a:r>
+              <a:rPr lang="en-US" altLang="ja-JP" sz="2400" b="1" dirty="0">
+                <a:latin typeface="Georgia" panose="02040502050405020303" pitchFamily="18" charset="0"/>
+              </a:rPr>
+              <a:t>L</a:t>
+            </a:r>
+            <a:endParaRPr kumimoji="1" lang="ja-JP" altLang="en-US" sz="2400" b="1" dirty="0">
+              <a:latin typeface="Georgia" panose="02040502050405020303" pitchFamily="18" charset="0"/>
+            </a:endParaRPr>
+          </a:p>
+        </p:txBody>
+      </p:sp>
+      <p:cxnSp>
+        <p:nvCxnSpPr>
+          <p:cNvPr id="67" name="直線コネクタ 66">
+            <a:extLst>
+              <a:ext uri="{FF2B5EF4-FFF2-40B4-BE49-F238E27FC236}">
+                <a16:creationId xmlns:a16="http://schemas.microsoft.com/office/drawing/2014/main" id="{28A68A78-4CAC-44A1-A55B-9B4482EE8A04}"/>
+              </a:ext>
+            </a:extLst>
+          </p:cNvPr>
+          <p:cNvCxnSpPr>
+            <a:cxnSpLocks/>
+          </p:cNvCxnSpPr>
+          <p:nvPr/>
+        </p:nvCxnSpPr>
+        <p:spPr>
+          <a:xfrm>
+            <a:off x="4314949" y="805350"/>
+            <a:ext cx="0" cy="1632956"/>
+          </a:xfrm>
+          <a:prstGeom prst="line">
+            <a:avLst/>
+          </a:prstGeom>
+          <a:ln w="57150">
+            <a:solidFill>
+              <a:schemeClr val="accent1">
+                <a:lumMod val="60000"/>
+                <a:lumOff val="40000"/>
+              </a:schemeClr>
+            </a:solidFill>
+          </a:ln>
+        </p:spPr>
+        <p:style>
+          <a:lnRef idx="1">
+            <a:schemeClr val="accent1"/>
+          </a:lnRef>
+          <a:fillRef idx="0">
+            <a:schemeClr val="accent1"/>
+          </a:fillRef>
+          <a:effectRef idx="0">
+            <a:schemeClr val="accent1"/>
+          </a:effectRef>
+          <a:fontRef idx="minor">
+            <a:schemeClr val="tx1"/>
+          </a:fontRef>
+        </p:style>
+      </p:cxnSp>
+      <p:cxnSp>
+        <p:nvCxnSpPr>
+          <p:cNvPr id="68" name="直線コネクタ 67">
+            <a:extLst>
+              <a:ext uri="{FF2B5EF4-FFF2-40B4-BE49-F238E27FC236}">
+                <a16:creationId xmlns:a16="http://schemas.microsoft.com/office/drawing/2014/main" id="{A4776C05-85C9-46A9-B3C1-7FD129B2059B}"/>
+              </a:ext>
+            </a:extLst>
+          </p:cNvPr>
+          <p:cNvCxnSpPr>
+            <a:cxnSpLocks/>
+          </p:cNvCxnSpPr>
+          <p:nvPr/>
+        </p:nvCxnSpPr>
+        <p:spPr>
+          <a:xfrm>
+            <a:off x="6579078" y="805350"/>
+            <a:ext cx="0" cy="1632956"/>
+          </a:xfrm>
+          <a:prstGeom prst="line">
+            <a:avLst/>
+          </a:prstGeom>
+          <a:ln w="57150">
+            <a:solidFill>
+              <a:schemeClr val="accent1">
+                <a:lumMod val="60000"/>
+                <a:lumOff val="40000"/>
+              </a:schemeClr>
+            </a:solidFill>
+          </a:ln>
+        </p:spPr>
+        <p:style>
+          <a:lnRef idx="1">
+            <a:schemeClr val="accent1"/>
+          </a:lnRef>
+          <a:fillRef idx="0">
+            <a:schemeClr val="accent1"/>
+          </a:fillRef>
+          <a:effectRef idx="0">
+            <a:schemeClr val="accent1"/>
+          </a:effectRef>
+          <a:fontRef idx="minor">
+            <a:schemeClr val="tx1"/>
+          </a:fontRef>
+        </p:style>
+      </p:cxnSp>
+      <p:sp>
+        <p:nvSpPr>
+          <p:cNvPr id="69" name="楕円 68">
+            <a:extLst>
+              <a:ext uri="{FF2B5EF4-FFF2-40B4-BE49-F238E27FC236}">
+                <a16:creationId xmlns:a16="http://schemas.microsoft.com/office/drawing/2014/main" id="{DCEB18CA-DD0D-4582-92B9-B44B5E0E71D6}"/>
+              </a:ext>
+            </a:extLst>
+          </p:cNvPr>
+          <p:cNvSpPr/>
+          <p:nvPr/>
+        </p:nvSpPr>
+        <p:spPr>
+          <a:xfrm flipV="1">
+            <a:off x="4226903" y="2324842"/>
+            <a:ext cx="176092" cy="182966"/>
+          </a:xfrm>
+          <a:prstGeom prst="ellipse">
+            <a:avLst/>
+          </a:prstGeom>
+          <a:solidFill>
+            <a:schemeClr val="tx1"/>
+          </a:solidFill>
+          <a:ln w="28575">
+            <a:noFill/>
+          </a:ln>
+        </p:spPr>
+        <p:style>
+          <a:lnRef idx="2">
+            <a:schemeClr val="accent1">
+              <a:shade val="50000"/>
+            </a:schemeClr>
+          </a:lnRef>
+          <a:fillRef idx="1">
+            <a:schemeClr val="accent1"/>
+          </a:fillRef>
+          <a:effectRef idx="0">
+            <a:schemeClr val="accent1"/>
+          </a:effectRef>
+          <a:fontRef idx="minor">
+            <a:schemeClr val="lt1"/>
+          </a:fontRef>
+        </p:style>
+        <p:txBody>
+          <a:bodyPr rtlCol="0" anchor="ctr"/>
+          <a:lstStyle/>
+          <a:p>
+            <a:pPr algn="ctr"/>
+            <a:endParaRPr kumimoji="1" lang="ja-JP" altLang="en-US"/>
+          </a:p>
+        </p:txBody>
+      </p:sp>
+      <p:sp>
+        <p:nvSpPr>
+          <p:cNvPr id="70" name="楕円 69">
+            <a:extLst>
+              <a:ext uri="{FF2B5EF4-FFF2-40B4-BE49-F238E27FC236}">
+                <a16:creationId xmlns:a16="http://schemas.microsoft.com/office/drawing/2014/main" id="{3421AA2F-4203-4D82-BCE0-7AA02406C946}"/>
+              </a:ext>
+            </a:extLst>
+          </p:cNvPr>
+          <p:cNvSpPr/>
+          <p:nvPr/>
+        </p:nvSpPr>
+        <p:spPr>
+          <a:xfrm flipV="1">
+            <a:off x="6487367" y="2337332"/>
+            <a:ext cx="176092" cy="182966"/>
+          </a:xfrm>
+          <a:prstGeom prst="ellipse">
+            <a:avLst/>
+          </a:prstGeom>
+          <a:solidFill>
+            <a:schemeClr val="tx1"/>
+          </a:solidFill>
+          <a:ln w="28575">
+            <a:noFill/>
+          </a:ln>
+        </p:spPr>
+        <p:style>
+          <a:lnRef idx="2">
+            <a:schemeClr val="accent1">
+              <a:shade val="50000"/>
+            </a:schemeClr>
+          </a:lnRef>
+          <a:fillRef idx="1">
+            <a:schemeClr val="accent1"/>
+          </a:fillRef>
+          <a:effectRef idx="0">
+            <a:schemeClr val="accent1"/>
+          </a:effectRef>
+          <a:fontRef idx="minor">
+            <a:schemeClr val="lt1"/>
+          </a:fontRef>
+        </p:style>
+        <p:txBody>
+          <a:bodyPr rtlCol="0" anchor="ctr"/>
+          <a:lstStyle/>
+          <a:p>
+            <a:pPr algn="ctr"/>
+            <a:endParaRPr kumimoji="1" lang="ja-JP" altLang="en-US"/>
+          </a:p>
+        </p:txBody>
+      </p:sp>
+      <p:sp>
+        <p:nvSpPr>
+          <p:cNvPr id="58" name="正方形/長方形 57">
+            <a:extLst>
+              <a:ext uri="{FF2B5EF4-FFF2-40B4-BE49-F238E27FC236}">
+                <a16:creationId xmlns:a16="http://schemas.microsoft.com/office/drawing/2014/main" id="{C93233C1-456F-4353-B2DA-20A929C14926}"/>
+              </a:ext>
+            </a:extLst>
+          </p:cNvPr>
+          <p:cNvSpPr/>
+          <p:nvPr/>
+        </p:nvSpPr>
+        <p:spPr>
+          <a:xfrm>
+            <a:off x="555649" y="343694"/>
+            <a:ext cx="951893" cy="521852"/>
+          </a:xfrm>
+          <a:prstGeom prst="rect">
+            <a:avLst/>
+          </a:prstGeom>
+          <a:solidFill>
+            <a:schemeClr val="bg1"/>
+          </a:solidFill>
+          <a:ln w="38100">
+            <a:solidFill>
+              <a:schemeClr val="tx1"/>
+            </a:solidFill>
+          </a:ln>
+        </p:spPr>
+        <p:style>
+          <a:lnRef idx="2">
+            <a:schemeClr val="accent1">
+              <a:shade val="50000"/>
+            </a:schemeClr>
+          </a:lnRef>
+          <a:fillRef idx="1">
+            <a:schemeClr val="accent1"/>
+          </a:fillRef>
+          <a:effectRef idx="0">
+            <a:schemeClr val="accent1"/>
+          </a:effectRef>
+          <a:fontRef idx="minor">
+            <a:schemeClr val="lt1"/>
+          </a:fontRef>
+        </p:style>
+        <p:txBody>
+          <a:bodyPr rtlCol="0" anchor="ctr"/>
+          <a:lstStyle/>
+          <a:p>
+            <a:pPr algn="ctr"/>
+            <a:endParaRPr kumimoji="1" lang="ja-JP" altLang="en-US"/>
+          </a:p>
+        </p:txBody>
+      </p:sp>
+      <p:sp>
+        <p:nvSpPr>
+          <p:cNvPr id="61" name="テキスト ボックス 60">
+            <a:extLst>
+              <a:ext uri="{FF2B5EF4-FFF2-40B4-BE49-F238E27FC236}">
+                <a16:creationId xmlns:a16="http://schemas.microsoft.com/office/drawing/2014/main" id="{41CC5E5F-5849-4D59-B523-64A7C16D8C2A}"/>
+              </a:ext>
+            </a:extLst>
+          </p:cNvPr>
+          <p:cNvSpPr txBox="1"/>
+          <p:nvPr/>
+        </p:nvSpPr>
+        <p:spPr>
+          <a:xfrm>
+            <a:off x="564108" y="343685"/>
+            <a:ext cx="979755" cy="523220"/>
+          </a:xfrm>
+          <a:prstGeom prst="rect">
+            <a:avLst/>
+          </a:prstGeom>
+          <a:noFill/>
+        </p:spPr>
+        <p:txBody>
+          <a:bodyPr wrap="none" rtlCol="0">
+            <a:spAutoFit/>
+          </a:bodyPr>
+          <a:lstStyle/>
+          <a:p>
+            <a:r>
+              <a:rPr kumimoji="1" lang="ja-JP" altLang="en-US" sz="2800" b="1" dirty="0">
+                <a:latin typeface="Cambria Math" panose="02040503050406030204" pitchFamily="18" charset="0"/>
+              </a:rPr>
+              <a:t>（ ）</a:t>
+            </a:r>
+          </a:p>
+        </p:txBody>
+      </p:sp>
+      <p:sp>
+        <p:nvSpPr>
+          <p:cNvPr id="63" name="テキスト ボックス 62">
+            <a:extLst>
+              <a:ext uri="{FF2B5EF4-FFF2-40B4-BE49-F238E27FC236}">
+                <a16:creationId xmlns:a16="http://schemas.microsoft.com/office/drawing/2014/main" id="{7BB18588-04DB-48D4-A715-50C899F07DCF}"/>
+              </a:ext>
+            </a:extLst>
+          </p:cNvPr>
+          <p:cNvSpPr txBox="1"/>
+          <p:nvPr/>
+        </p:nvSpPr>
+        <p:spPr>
+          <a:xfrm>
+            <a:off x="1482173" y="403881"/>
+            <a:ext cx="492443" cy="461665"/>
+          </a:xfrm>
+          <a:prstGeom prst="rect">
+            <a:avLst/>
+          </a:prstGeom>
+          <a:noFill/>
+        </p:spPr>
+        <p:txBody>
+          <a:bodyPr wrap="none" rtlCol="0">
+            <a:spAutoFit/>
+          </a:bodyPr>
+          <a:lstStyle/>
+          <a:p>
+            <a:r>
+              <a:rPr kumimoji="1" lang="ja-JP" altLang="en-US" sz="2400" b="1" dirty="0">
+                <a:latin typeface="Georgia" panose="02040502050405020303" pitchFamily="18" charset="0"/>
+              </a:rPr>
+              <a:t>イ</a:t>
+            </a:r>
+          </a:p>
+        </p:txBody>
+      </p:sp>
+      <p:cxnSp>
+        <p:nvCxnSpPr>
+          <p:cNvPr id="65" name="直線コネクタ 64">
+            <a:extLst>
+              <a:ext uri="{FF2B5EF4-FFF2-40B4-BE49-F238E27FC236}">
+                <a16:creationId xmlns:a16="http://schemas.microsoft.com/office/drawing/2014/main" id="{39042E01-0C8C-46DE-BCE6-5CC11FFB1BAC}"/>
+              </a:ext>
+            </a:extLst>
+          </p:cNvPr>
+          <p:cNvCxnSpPr>
+            <a:cxnSpLocks/>
+            <a:endCxn id="44" idx="5"/>
+          </p:cNvCxnSpPr>
+          <p:nvPr/>
+        </p:nvCxnSpPr>
+        <p:spPr>
+          <a:xfrm flipH="1" flipV="1">
+            <a:off x="7162606" y="873332"/>
+            <a:ext cx="88460" cy="5044950"/>
+          </a:xfrm>
+          <a:prstGeom prst="line">
+            <a:avLst/>
+          </a:prstGeom>
+          <a:ln w="57150">
+            <a:solidFill>
+              <a:schemeClr val="bg2">
+                <a:lumMod val="10000"/>
+              </a:schemeClr>
+            </a:solidFill>
+          </a:ln>
+        </p:spPr>
+        <p:style>
+          <a:lnRef idx="1">
+            <a:schemeClr val="accent1"/>
+          </a:lnRef>
+          <a:fillRef idx="0">
+            <a:schemeClr val="accent1"/>
+          </a:fillRef>
+          <a:effectRef idx="0">
+            <a:schemeClr val="accent1"/>
+          </a:effectRef>
+          <a:fontRef idx="minor">
+            <a:schemeClr val="tx1"/>
+          </a:fontRef>
+        </p:style>
+      </p:cxnSp>
+      <p:cxnSp>
+        <p:nvCxnSpPr>
+          <p:cNvPr id="66" name="直線コネクタ 65">
+            <a:extLst>
+              <a:ext uri="{FF2B5EF4-FFF2-40B4-BE49-F238E27FC236}">
+                <a16:creationId xmlns:a16="http://schemas.microsoft.com/office/drawing/2014/main" id="{37947B22-36D2-41FF-91DE-997D0AC98122}"/>
+              </a:ext>
+            </a:extLst>
+          </p:cNvPr>
+          <p:cNvCxnSpPr>
+            <a:cxnSpLocks/>
+          </p:cNvCxnSpPr>
+          <p:nvPr/>
+        </p:nvCxnSpPr>
+        <p:spPr>
+          <a:xfrm>
+            <a:off x="7162606" y="3001428"/>
+            <a:ext cx="2400303" cy="17597"/>
+          </a:xfrm>
+          <a:prstGeom prst="line">
+            <a:avLst/>
+          </a:prstGeom>
+          <a:ln w="57150">
+            <a:solidFill>
+              <a:schemeClr val="bg2">
+                <a:lumMod val="10000"/>
+              </a:schemeClr>
+            </a:solidFill>
+          </a:ln>
+        </p:spPr>
+        <p:style>
+          <a:lnRef idx="1">
+            <a:schemeClr val="accent1"/>
+          </a:lnRef>
+          <a:fillRef idx="0">
+            <a:schemeClr val="accent1"/>
+          </a:fillRef>
+          <a:effectRef idx="0">
+            <a:schemeClr val="accent1"/>
+          </a:effectRef>
+          <a:fontRef idx="minor">
+            <a:schemeClr val="tx1"/>
+          </a:fontRef>
+        </p:style>
+      </p:cxnSp>
+      <p:sp>
+        <p:nvSpPr>
+          <p:cNvPr id="71" name="楕円 70">
+            <a:extLst>
+              <a:ext uri="{FF2B5EF4-FFF2-40B4-BE49-F238E27FC236}">
+                <a16:creationId xmlns:a16="http://schemas.microsoft.com/office/drawing/2014/main" id="{BD5E5CC4-FBCB-474D-94EB-C327011B2C24}"/>
+              </a:ext>
+            </a:extLst>
+          </p:cNvPr>
+          <p:cNvSpPr/>
+          <p:nvPr/>
+        </p:nvSpPr>
+        <p:spPr>
+          <a:xfrm flipV="1">
+            <a:off x="7107562" y="2877121"/>
+            <a:ext cx="176092" cy="182966"/>
+          </a:xfrm>
+          <a:prstGeom prst="ellipse">
+            <a:avLst/>
+          </a:prstGeom>
+          <a:solidFill>
+            <a:schemeClr val="tx1"/>
+          </a:solidFill>
+          <a:ln w="28575">
+            <a:noFill/>
+          </a:ln>
+        </p:spPr>
+        <p:style>
+          <a:lnRef idx="2">
+            <a:schemeClr val="accent1">
+              <a:shade val="50000"/>
+            </a:schemeClr>
+          </a:lnRef>
+          <a:fillRef idx="1">
+            <a:schemeClr val="accent1"/>
+          </a:fillRef>
+          <a:effectRef idx="0">
+            <a:schemeClr val="accent1"/>
+          </a:effectRef>
+          <a:fontRef idx="minor">
+            <a:schemeClr val="lt1"/>
+          </a:fontRef>
+        </p:style>
+        <p:txBody>
+          <a:bodyPr rtlCol="0" anchor="ctr"/>
+          <a:lstStyle/>
+          <a:p>
+            <a:pPr algn="ctr"/>
+            <a:endParaRPr kumimoji="1" lang="ja-JP" altLang="en-US"/>
+          </a:p>
+        </p:txBody>
+      </p:sp>
+      <p:cxnSp>
+        <p:nvCxnSpPr>
+          <p:cNvPr id="50" name="直線コネクタ 49">
+            <a:extLst>
+              <a:ext uri="{FF2B5EF4-FFF2-40B4-BE49-F238E27FC236}">
+                <a16:creationId xmlns:a16="http://schemas.microsoft.com/office/drawing/2014/main" id="{27B00C12-4876-4A30-9B44-96BA2613F2D5}"/>
+              </a:ext>
+            </a:extLst>
+          </p:cNvPr>
+          <p:cNvCxnSpPr>
+            <a:cxnSpLocks/>
+          </p:cNvCxnSpPr>
+          <p:nvPr/>
+        </p:nvCxnSpPr>
+        <p:spPr>
+          <a:xfrm flipH="1" flipV="1">
+            <a:off x="4391478" y="2782123"/>
+            <a:ext cx="63043" cy="2898693"/>
+          </a:xfrm>
+          <a:prstGeom prst="line">
+            <a:avLst/>
+          </a:prstGeom>
+          <a:ln w="57150">
+            <a:solidFill>
+              <a:schemeClr val="accent1">
+                <a:lumMod val="60000"/>
+                <a:lumOff val="40000"/>
+              </a:schemeClr>
+            </a:solidFill>
+          </a:ln>
+        </p:spPr>
+        <p:style>
+          <a:lnRef idx="1">
+            <a:schemeClr val="accent1"/>
+          </a:lnRef>
+          <a:fillRef idx="0">
+            <a:schemeClr val="accent1"/>
+          </a:fillRef>
+          <a:effectRef idx="0">
+            <a:schemeClr val="accent1"/>
+          </a:effectRef>
+          <a:fontRef idx="minor">
+            <a:schemeClr val="tx1"/>
+          </a:fontRef>
+        </p:style>
+      </p:cxnSp>
+      <p:cxnSp>
+        <p:nvCxnSpPr>
+          <p:cNvPr id="51" name="直線コネクタ 50">
+            <a:extLst>
+              <a:ext uri="{FF2B5EF4-FFF2-40B4-BE49-F238E27FC236}">
+                <a16:creationId xmlns:a16="http://schemas.microsoft.com/office/drawing/2014/main" id="{D27ED367-2B9D-49D4-B578-D8B58A3240A5}"/>
+              </a:ext>
+            </a:extLst>
+          </p:cNvPr>
+          <p:cNvCxnSpPr>
+            <a:cxnSpLocks/>
+          </p:cNvCxnSpPr>
+          <p:nvPr/>
+        </p:nvCxnSpPr>
+        <p:spPr>
+          <a:xfrm>
+            <a:off x="4373128" y="2790575"/>
+            <a:ext cx="2029858" cy="0"/>
+          </a:xfrm>
+          <a:prstGeom prst="line">
+            <a:avLst/>
+          </a:prstGeom>
+          <a:ln w="57150">
+            <a:solidFill>
+              <a:schemeClr val="bg2">
+                <a:lumMod val="10000"/>
+              </a:schemeClr>
+            </a:solidFill>
+          </a:ln>
+        </p:spPr>
+        <p:style>
+          <a:lnRef idx="1">
+            <a:schemeClr val="accent1"/>
+          </a:lnRef>
+          <a:fillRef idx="0">
+            <a:schemeClr val="accent1"/>
+          </a:fillRef>
+          <a:effectRef idx="0">
+            <a:schemeClr val="accent1"/>
+          </a:effectRef>
+          <a:fontRef idx="minor">
+            <a:schemeClr val="tx1"/>
+          </a:fontRef>
+        </p:style>
+      </p:cxnSp>
+      <p:cxnSp>
+        <p:nvCxnSpPr>
+          <p:cNvPr id="53" name="直線コネクタ 52">
+            <a:extLst>
+              <a:ext uri="{FF2B5EF4-FFF2-40B4-BE49-F238E27FC236}">
+                <a16:creationId xmlns:a16="http://schemas.microsoft.com/office/drawing/2014/main" id="{A4735098-DB6D-4BD5-BDD8-4AEC8052E23C}"/>
+              </a:ext>
+            </a:extLst>
+          </p:cNvPr>
+          <p:cNvCxnSpPr>
+            <a:cxnSpLocks/>
+          </p:cNvCxnSpPr>
+          <p:nvPr/>
+        </p:nvCxnSpPr>
+        <p:spPr>
+          <a:xfrm flipH="1" flipV="1">
+            <a:off x="6402986" y="2829168"/>
+            <a:ext cx="61789" cy="2759964"/>
+          </a:xfrm>
+          <a:prstGeom prst="line">
+            <a:avLst/>
+          </a:prstGeom>
+          <a:ln w="57150">
+            <a:solidFill>
+              <a:schemeClr val="accent1">
+                <a:lumMod val="60000"/>
+                <a:lumOff val="40000"/>
+              </a:schemeClr>
+            </a:solidFill>
+          </a:ln>
+        </p:spPr>
+        <p:style>
+          <a:lnRef idx="1">
+            <a:schemeClr val="accent1"/>
+          </a:lnRef>
+          <a:fillRef idx="0">
+            <a:schemeClr val="accent1"/>
+          </a:fillRef>
+          <a:effectRef idx="0">
+            <a:schemeClr val="accent1"/>
+          </a:effectRef>
+          <a:fontRef idx="minor">
+            <a:schemeClr val="tx1"/>
+          </a:fontRef>
+        </p:style>
+      </p:cxnSp>
+      <p:cxnSp>
+        <p:nvCxnSpPr>
+          <p:cNvPr id="72" name="直線コネクタ 71">
+            <a:extLst>
+              <a:ext uri="{FF2B5EF4-FFF2-40B4-BE49-F238E27FC236}">
+                <a16:creationId xmlns:a16="http://schemas.microsoft.com/office/drawing/2014/main" id="{A40306FB-42F0-4DEA-842D-6BBBE054FD06}"/>
+              </a:ext>
+            </a:extLst>
+          </p:cNvPr>
+          <p:cNvCxnSpPr>
+            <a:cxnSpLocks/>
+          </p:cNvCxnSpPr>
+          <p:nvPr/>
+        </p:nvCxnSpPr>
+        <p:spPr>
+          <a:xfrm flipH="1" flipV="1">
+            <a:off x="4675242" y="3057370"/>
+            <a:ext cx="45973" cy="3100371"/>
+          </a:xfrm>
+          <a:prstGeom prst="line">
+            <a:avLst/>
+          </a:prstGeom>
+          <a:ln w="57150">
+            <a:solidFill>
+              <a:srgbClr val="FF0000"/>
+            </a:solidFill>
+          </a:ln>
+        </p:spPr>
+        <p:style>
+          <a:lnRef idx="1">
+            <a:schemeClr val="accent1"/>
+          </a:lnRef>
+          <a:fillRef idx="0">
+            <a:schemeClr val="accent1"/>
+          </a:fillRef>
+          <a:effectRef idx="0">
+            <a:schemeClr val="accent1"/>
+          </a:effectRef>
+          <a:fontRef idx="minor">
+            <a:schemeClr val="tx1"/>
+          </a:fontRef>
+        </p:style>
+      </p:cxnSp>
+      <p:cxnSp>
+        <p:nvCxnSpPr>
+          <p:cNvPr id="73" name="直線コネクタ 72">
+            <a:extLst>
+              <a:ext uri="{FF2B5EF4-FFF2-40B4-BE49-F238E27FC236}">
+                <a16:creationId xmlns:a16="http://schemas.microsoft.com/office/drawing/2014/main" id="{EA7DD619-2D20-43F8-AC73-EE90BD01058F}"/>
+              </a:ext>
+            </a:extLst>
+          </p:cNvPr>
+          <p:cNvCxnSpPr>
+            <a:cxnSpLocks/>
+          </p:cNvCxnSpPr>
+          <p:nvPr/>
+        </p:nvCxnSpPr>
+        <p:spPr>
+          <a:xfrm flipH="1" flipV="1">
+            <a:off x="6169207" y="3019025"/>
+            <a:ext cx="45973" cy="3100371"/>
+          </a:xfrm>
+          <a:prstGeom prst="line">
+            <a:avLst/>
+          </a:prstGeom>
+          <a:ln w="57150">
+            <a:solidFill>
+              <a:srgbClr val="FF0000"/>
+            </a:solidFill>
+          </a:ln>
+        </p:spPr>
+        <p:style>
+          <a:lnRef idx="1">
+            <a:schemeClr val="accent1"/>
+          </a:lnRef>
+          <a:fillRef idx="0">
+            <a:schemeClr val="accent1"/>
+          </a:fillRef>
+          <a:effectRef idx="0">
+            <a:schemeClr val="accent1"/>
+          </a:effectRef>
+          <a:fontRef idx="minor">
+            <a:schemeClr val="tx1"/>
+          </a:fontRef>
+        </p:style>
+      </p:cxnSp>
+      <p:cxnSp>
+        <p:nvCxnSpPr>
+          <p:cNvPr id="74" name="直線コネクタ 73">
+            <a:extLst>
+              <a:ext uri="{FF2B5EF4-FFF2-40B4-BE49-F238E27FC236}">
+                <a16:creationId xmlns:a16="http://schemas.microsoft.com/office/drawing/2014/main" id="{A8B8EE9E-85EC-423E-822B-842BCB10E1F6}"/>
+              </a:ext>
+            </a:extLst>
+          </p:cNvPr>
+          <p:cNvCxnSpPr>
+            <a:cxnSpLocks/>
+          </p:cNvCxnSpPr>
+          <p:nvPr/>
+        </p:nvCxnSpPr>
+        <p:spPr>
+          <a:xfrm>
+            <a:off x="4646945" y="3057370"/>
+            <a:ext cx="1515992" cy="0"/>
+          </a:xfrm>
+          <a:prstGeom prst="line">
+            <a:avLst/>
+          </a:prstGeom>
+          <a:ln w="57150">
+            <a:solidFill>
+              <a:srgbClr val="FF0000"/>
+            </a:solidFill>
+          </a:ln>
+        </p:spPr>
+        <p:style>
+          <a:lnRef idx="1">
+            <a:schemeClr val="accent1"/>
+          </a:lnRef>
+          <a:fillRef idx="0">
+            <a:schemeClr val="accent1"/>
+          </a:fillRef>
+          <a:effectRef idx="0">
+            <a:schemeClr val="accent1"/>
+          </a:effectRef>
+          <a:fontRef idx="minor">
+            <a:schemeClr val="tx1"/>
+          </a:fontRef>
+        </p:style>
+      </p:cxnSp>
+      <p:cxnSp>
+        <p:nvCxnSpPr>
+          <p:cNvPr id="75" name="直線コネクタ 74">
+            <a:extLst>
+              <a:ext uri="{FF2B5EF4-FFF2-40B4-BE49-F238E27FC236}">
+                <a16:creationId xmlns:a16="http://schemas.microsoft.com/office/drawing/2014/main" id="{08E0C982-F529-4A90-8FEF-F606F8C14502}"/>
+              </a:ext>
+            </a:extLst>
+          </p:cNvPr>
+          <p:cNvCxnSpPr>
+            <a:cxnSpLocks/>
+          </p:cNvCxnSpPr>
+          <p:nvPr/>
+        </p:nvCxnSpPr>
+        <p:spPr>
+          <a:xfrm flipV="1">
+            <a:off x="4533373" y="6128233"/>
+            <a:ext cx="202778" cy="277708"/>
+          </a:xfrm>
+          <a:prstGeom prst="line">
+            <a:avLst/>
+          </a:prstGeom>
+          <a:ln w="57150">
+            <a:solidFill>
+              <a:srgbClr val="FF0000"/>
+            </a:solidFill>
+          </a:ln>
+        </p:spPr>
+        <p:style>
+          <a:lnRef idx="1">
+            <a:schemeClr val="accent1"/>
+          </a:lnRef>
+          <a:fillRef idx="0">
+            <a:schemeClr val="accent1"/>
+          </a:fillRef>
+          <a:effectRef idx="0">
+            <a:schemeClr val="accent1"/>
+          </a:effectRef>
+          <a:fontRef idx="minor">
+            <a:schemeClr val="tx1"/>
+          </a:fontRef>
+        </p:style>
+      </p:cxnSp>
+      <p:cxnSp>
+        <p:nvCxnSpPr>
+          <p:cNvPr id="76" name="直線コネクタ 75">
+            <a:extLst>
+              <a:ext uri="{FF2B5EF4-FFF2-40B4-BE49-F238E27FC236}">
+                <a16:creationId xmlns:a16="http://schemas.microsoft.com/office/drawing/2014/main" id="{EAE47157-32AF-4942-B442-9C3056D43EF1}"/>
+              </a:ext>
+            </a:extLst>
+          </p:cNvPr>
+          <p:cNvCxnSpPr>
+            <a:cxnSpLocks/>
+          </p:cNvCxnSpPr>
+          <p:nvPr/>
+        </p:nvCxnSpPr>
+        <p:spPr>
+          <a:xfrm flipH="1" flipV="1">
+            <a:off x="6212332" y="6108488"/>
+            <a:ext cx="228343" cy="317198"/>
+          </a:xfrm>
+          <a:prstGeom prst="line">
+            <a:avLst/>
+          </a:prstGeom>
+          <a:ln w="57150">
+            <a:solidFill>
+              <a:srgbClr val="FF0000"/>
+            </a:solidFill>
+          </a:ln>
+        </p:spPr>
+        <p:style>
+          <a:lnRef idx="1">
+            <a:schemeClr val="accent1"/>
+          </a:lnRef>
+          <a:fillRef idx="0">
+            <a:schemeClr val="accent1"/>
+          </a:fillRef>
+          <a:effectRef idx="0">
+            <a:schemeClr val="accent1"/>
+          </a:effectRef>
+          <a:fontRef idx="minor">
+            <a:schemeClr val="tx1"/>
+          </a:fontRef>
+        </p:style>
+      </p:cxnSp>
+      <p:sp>
+        <p:nvSpPr>
+          <p:cNvPr id="77" name="楕円 76">
+            <a:extLst>
+              <a:ext uri="{FF2B5EF4-FFF2-40B4-BE49-F238E27FC236}">
+                <a16:creationId xmlns:a16="http://schemas.microsoft.com/office/drawing/2014/main" id="{C664CE47-F7A6-46BC-8EB5-DCE2BA95B2A3}"/>
+              </a:ext>
+            </a:extLst>
+          </p:cNvPr>
+          <p:cNvSpPr/>
+          <p:nvPr/>
+        </p:nvSpPr>
+        <p:spPr>
+          <a:xfrm flipV="1">
+            <a:off x="4341568" y="2722547"/>
+            <a:ext cx="176092" cy="182966"/>
+          </a:xfrm>
+          <a:prstGeom prst="ellipse">
+            <a:avLst/>
+          </a:prstGeom>
+          <a:solidFill>
+            <a:schemeClr val="tx1"/>
+          </a:solidFill>
+          <a:ln w="28575">
+            <a:noFill/>
+          </a:ln>
+        </p:spPr>
+        <p:style>
+          <a:lnRef idx="2">
+            <a:schemeClr val="accent1">
+              <a:shade val="50000"/>
+            </a:schemeClr>
+          </a:lnRef>
+          <a:fillRef idx="1">
+            <a:schemeClr val="accent1"/>
+          </a:fillRef>
+          <a:effectRef idx="0">
+            <a:schemeClr val="accent1"/>
+          </a:effectRef>
+          <a:fontRef idx="minor">
+            <a:schemeClr val="lt1"/>
+          </a:fontRef>
+        </p:style>
+        <p:txBody>
+          <a:bodyPr rtlCol="0" anchor="ctr"/>
+          <a:lstStyle/>
+          <a:p>
+            <a:pPr algn="ctr"/>
+            <a:endParaRPr kumimoji="1" lang="ja-JP" altLang="en-US"/>
+          </a:p>
+        </p:txBody>
+      </p:sp>
+      <p:sp>
+        <p:nvSpPr>
+          <p:cNvPr id="78" name="楕円 77">
+            <a:extLst>
+              <a:ext uri="{FF2B5EF4-FFF2-40B4-BE49-F238E27FC236}">
+                <a16:creationId xmlns:a16="http://schemas.microsoft.com/office/drawing/2014/main" id="{027C9846-5CA2-42C4-983C-5E30F6579229}"/>
+              </a:ext>
+            </a:extLst>
+          </p:cNvPr>
+          <p:cNvSpPr/>
+          <p:nvPr/>
+        </p:nvSpPr>
+        <p:spPr>
+          <a:xfrm flipV="1">
+            <a:off x="4634315" y="2947311"/>
+            <a:ext cx="176092" cy="182966"/>
+          </a:xfrm>
+          <a:prstGeom prst="ellipse">
+            <a:avLst/>
+          </a:prstGeom>
+          <a:solidFill>
+            <a:schemeClr val="tx1"/>
+          </a:solidFill>
+          <a:ln w="28575">
+            <a:noFill/>
+          </a:ln>
+        </p:spPr>
+        <p:style>
+          <a:lnRef idx="2">
+            <a:schemeClr val="accent1">
+              <a:shade val="50000"/>
+            </a:schemeClr>
+          </a:lnRef>
+          <a:fillRef idx="1">
+            <a:schemeClr val="accent1"/>
+          </a:fillRef>
+          <a:effectRef idx="0">
+            <a:schemeClr val="accent1"/>
+          </a:effectRef>
+          <a:fontRef idx="minor">
+            <a:schemeClr val="lt1"/>
+          </a:fontRef>
+        </p:style>
+        <p:txBody>
+          <a:bodyPr rtlCol="0" anchor="ctr"/>
+          <a:lstStyle/>
+          <a:p>
+            <a:pPr algn="ctr"/>
+            <a:endParaRPr kumimoji="1" lang="ja-JP" altLang="en-US"/>
+          </a:p>
+        </p:txBody>
+      </p:sp>
+      <p:sp>
+        <p:nvSpPr>
+          <p:cNvPr id="79" name="楕円 78">
+            <a:extLst>
+              <a:ext uri="{FF2B5EF4-FFF2-40B4-BE49-F238E27FC236}">
+                <a16:creationId xmlns:a16="http://schemas.microsoft.com/office/drawing/2014/main" id="{D1AF31C7-DE30-405C-9FB9-3500E337FA22}"/>
+              </a:ext>
+            </a:extLst>
+          </p:cNvPr>
+          <p:cNvSpPr/>
+          <p:nvPr/>
+        </p:nvSpPr>
+        <p:spPr>
+          <a:xfrm flipV="1">
+            <a:off x="6302526" y="2732026"/>
+            <a:ext cx="176092" cy="182966"/>
+          </a:xfrm>
+          <a:prstGeom prst="ellipse">
+            <a:avLst/>
+          </a:prstGeom>
+          <a:solidFill>
+            <a:schemeClr val="tx1"/>
+          </a:solidFill>
+          <a:ln w="28575">
+            <a:noFill/>
+          </a:ln>
+        </p:spPr>
+        <p:style>
+          <a:lnRef idx="2">
+            <a:schemeClr val="accent1">
+              <a:shade val="50000"/>
+            </a:schemeClr>
+          </a:lnRef>
+          <a:fillRef idx="1">
+            <a:schemeClr val="accent1"/>
+          </a:fillRef>
+          <a:effectRef idx="0">
+            <a:schemeClr val="accent1"/>
+          </a:effectRef>
+          <a:fontRef idx="minor">
+            <a:schemeClr val="lt1"/>
+          </a:fontRef>
+        </p:style>
+        <p:txBody>
+          <a:bodyPr rtlCol="0" anchor="ctr"/>
+          <a:lstStyle/>
+          <a:p>
+            <a:pPr algn="ctr"/>
+            <a:endParaRPr kumimoji="1" lang="ja-JP" altLang="en-US"/>
+          </a:p>
+        </p:txBody>
+      </p:sp>
+      <p:sp>
+        <p:nvSpPr>
+          <p:cNvPr id="80" name="楕円 79">
+            <a:extLst>
+              <a:ext uri="{FF2B5EF4-FFF2-40B4-BE49-F238E27FC236}">
+                <a16:creationId xmlns:a16="http://schemas.microsoft.com/office/drawing/2014/main" id="{62DE9F31-477D-40EF-A44E-628C284497E8}"/>
+              </a:ext>
+            </a:extLst>
+          </p:cNvPr>
+          <p:cNvSpPr/>
+          <p:nvPr/>
+        </p:nvSpPr>
+        <p:spPr>
+          <a:xfrm flipV="1">
+            <a:off x="6078026" y="3015820"/>
+            <a:ext cx="176092" cy="182966"/>
+          </a:xfrm>
+          <a:prstGeom prst="ellipse">
+            <a:avLst/>
+          </a:prstGeom>
+          <a:solidFill>
+            <a:schemeClr val="tx1"/>
+          </a:solidFill>
+          <a:ln w="28575">
+            <a:noFill/>
+          </a:ln>
+        </p:spPr>
+        <p:style>
+          <a:lnRef idx="2">
+            <a:schemeClr val="accent1">
+              <a:shade val="50000"/>
+            </a:schemeClr>
+          </a:lnRef>
+          <a:fillRef idx="1">
+            <a:schemeClr val="accent1"/>
+          </a:fillRef>
+          <a:effectRef idx="0">
+            <a:schemeClr val="accent1"/>
+          </a:effectRef>
+          <a:fontRef idx="minor">
+            <a:schemeClr val="lt1"/>
+          </a:fontRef>
+        </p:style>
+        <p:txBody>
+          <a:bodyPr rtlCol="0" anchor="ctr"/>
+          <a:lstStyle/>
+          <a:p>
+            <a:pPr algn="ctr"/>
+            <a:endParaRPr kumimoji="1" lang="ja-JP" altLang="en-US"/>
+          </a:p>
+        </p:txBody>
+      </p:sp>
+      <p:cxnSp>
+        <p:nvCxnSpPr>
+          <p:cNvPr id="81" name="直線コネクタ 80">
+            <a:extLst>
+              <a:ext uri="{FF2B5EF4-FFF2-40B4-BE49-F238E27FC236}">
+                <a16:creationId xmlns:a16="http://schemas.microsoft.com/office/drawing/2014/main" id="{94464A42-88B2-4EED-8B92-F1BFD43E0B95}"/>
+              </a:ext>
+            </a:extLst>
+          </p:cNvPr>
+          <p:cNvCxnSpPr>
+            <a:cxnSpLocks/>
+          </p:cNvCxnSpPr>
+          <p:nvPr/>
+        </p:nvCxnSpPr>
+        <p:spPr>
+          <a:xfrm flipH="1" flipV="1">
+            <a:off x="763758" y="875496"/>
+            <a:ext cx="47678" cy="1938534"/>
+          </a:xfrm>
+          <a:prstGeom prst="line">
+            <a:avLst/>
+          </a:prstGeom>
+          <a:ln w="57150">
+            <a:solidFill>
+              <a:schemeClr val="bg2">
+                <a:lumMod val="10000"/>
+              </a:schemeClr>
+            </a:solidFill>
+          </a:ln>
+        </p:spPr>
+        <p:style>
+          <a:lnRef idx="1">
+            <a:schemeClr val="accent1"/>
+          </a:lnRef>
+          <a:fillRef idx="0">
+            <a:schemeClr val="accent1"/>
+          </a:fillRef>
+          <a:effectRef idx="0">
+            <a:schemeClr val="accent1"/>
+          </a:effectRef>
+          <a:fontRef idx="minor">
+            <a:schemeClr val="tx1"/>
+          </a:fontRef>
+        </p:style>
+      </p:cxnSp>
+      <p:cxnSp>
+        <p:nvCxnSpPr>
+          <p:cNvPr id="82" name="直線コネクタ 81">
+            <a:extLst>
+              <a:ext uri="{FF2B5EF4-FFF2-40B4-BE49-F238E27FC236}">
+                <a16:creationId xmlns:a16="http://schemas.microsoft.com/office/drawing/2014/main" id="{FF9B8782-ECE0-49EF-9555-59CE4C0AE555}"/>
+              </a:ext>
+            </a:extLst>
+          </p:cNvPr>
+          <p:cNvCxnSpPr>
+            <a:cxnSpLocks/>
+          </p:cNvCxnSpPr>
+          <p:nvPr/>
+        </p:nvCxnSpPr>
+        <p:spPr>
+          <a:xfrm flipV="1">
+            <a:off x="811436" y="2763446"/>
+            <a:ext cx="2909067" cy="39343"/>
+          </a:xfrm>
+          <a:prstGeom prst="line">
+            <a:avLst/>
+          </a:prstGeom>
+          <a:ln w="57150">
+            <a:solidFill>
+              <a:schemeClr val="bg2">
+                <a:lumMod val="10000"/>
+              </a:schemeClr>
+            </a:solidFill>
+          </a:ln>
+        </p:spPr>
+        <p:style>
+          <a:lnRef idx="1">
+            <a:schemeClr val="accent1"/>
+          </a:lnRef>
+          <a:fillRef idx="0">
+            <a:schemeClr val="accent1"/>
+          </a:fillRef>
+          <a:effectRef idx="0">
+            <a:schemeClr val="accent1"/>
+          </a:effectRef>
+          <a:fontRef idx="minor">
+            <a:schemeClr val="tx1"/>
+          </a:fontRef>
+        </p:style>
+      </p:cxnSp>
+      <p:cxnSp>
+        <p:nvCxnSpPr>
+          <p:cNvPr id="83" name="直線コネクタ 82">
+            <a:extLst>
+              <a:ext uri="{FF2B5EF4-FFF2-40B4-BE49-F238E27FC236}">
+                <a16:creationId xmlns:a16="http://schemas.microsoft.com/office/drawing/2014/main" id="{B50B7EB9-F18E-4522-BE14-AFEC274E4EFD}"/>
+              </a:ext>
+            </a:extLst>
+          </p:cNvPr>
+          <p:cNvCxnSpPr>
+            <a:cxnSpLocks/>
+          </p:cNvCxnSpPr>
+          <p:nvPr/>
+        </p:nvCxnSpPr>
+        <p:spPr>
+          <a:xfrm flipH="1" flipV="1">
+            <a:off x="3745523" y="819939"/>
+            <a:ext cx="41056" cy="5148823"/>
+          </a:xfrm>
+          <a:prstGeom prst="line">
+            <a:avLst/>
+          </a:prstGeom>
+          <a:ln w="57150">
+            <a:solidFill>
+              <a:schemeClr val="bg2">
+                <a:lumMod val="10000"/>
+              </a:schemeClr>
+            </a:solidFill>
+          </a:ln>
+        </p:spPr>
+        <p:style>
+          <a:lnRef idx="1">
+            <a:schemeClr val="accent1"/>
+          </a:lnRef>
+          <a:fillRef idx="0">
+            <a:schemeClr val="accent1"/>
+          </a:fillRef>
+          <a:effectRef idx="0">
+            <a:schemeClr val="accent1"/>
+          </a:effectRef>
+          <a:fontRef idx="minor">
+            <a:schemeClr val="tx1"/>
+          </a:fontRef>
+        </p:style>
+      </p:cxnSp>
+      <p:sp>
+        <p:nvSpPr>
+          <p:cNvPr id="84" name="楕円 83">
+            <a:extLst>
+              <a:ext uri="{FF2B5EF4-FFF2-40B4-BE49-F238E27FC236}">
+                <a16:creationId xmlns:a16="http://schemas.microsoft.com/office/drawing/2014/main" id="{81906822-E415-4989-ADB2-5021484D86AF}"/>
+              </a:ext>
+            </a:extLst>
+          </p:cNvPr>
+          <p:cNvSpPr/>
+          <p:nvPr/>
+        </p:nvSpPr>
+        <p:spPr>
+          <a:xfrm flipV="1">
+            <a:off x="3645839" y="2694155"/>
+            <a:ext cx="176092" cy="182966"/>
+          </a:xfrm>
+          <a:prstGeom prst="ellipse">
+            <a:avLst/>
+          </a:prstGeom>
+          <a:solidFill>
+            <a:schemeClr val="tx1"/>
+          </a:solidFill>
+          <a:ln w="28575">
+            <a:noFill/>
+          </a:ln>
+        </p:spPr>
+        <p:style>
+          <a:lnRef idx="2">
+            <a:schemeClr val="accent1">
+              <a:shade val="50000"/>
+            </a:schemeClr>
+          </a:lnRef>
+          <a:fillRef idx="1">
+            <a:schemeClr val="accent1"/>
+          </a:fillRef>
+          <a:effectRef idx="0">
+            <a:schemeClr val="accent1"/>
+          </a:effectRef>
+          <a:fontRef idx="minor">
+            <a:schemeClr val="lt1"/>
+          </a:fontRef>
+        </p:style>
+        <p:txBody>
+          <a:bodyPr rtlCol="0" anchor="ctr"/>
+          <a:lstStyle/>
+          <a:p>
+            <a:pPr algn="ctr"/>
+            <a:endParaRPr kumimoji="1" lang="ja-JP" altLang="en-US"/>
+          </a:p>
+        </p:txBody>
+      </p:sp>
+      <p:sp>
+        <p:nvSpPr>
+          <p:cNvPr id="85" name="テキスト ボックス 84">
+            <a:extLst>
+              <a:ext uri="{FF2B5EF4-FFF2-40B4-BE49-F238E27FC236}">
+                <a16:creationId xmlns:a16="http://schemas.microsoft.com/office/drawing/2014/main" id="{B722EF70-2F2C-4748-932C-528E8938B0C7}"/>
+              </a:ext>
+            </a:extLst>
+          </p:cNvPr>
+          <p:cNvSpPr txBox="1"/>
+          <p:nvPr/>
+        </p:nvSpPr>
+        <p:spPr>
+          <a:xfrm>
+            <a:off x="7351742" y="1383098"/>
+            <a:ext cx="1415772" cy="461665"/>
+          </a:xfrm>
+          <a:prstGeom prst="rect">
+            <a:avLst/>
+          </a:prstGeom>
+          <a:noFill/>
+        </p:spPr>
+        <p:txBody>
+          <a:bodyPr wrap="none" rtlCol="0">
+            <a:spAutoFit/>
+          </a:bodyPr>
+          <a:lstStyle/>
+          <a:p>
+            <a:r>
+              <a:rPr lang="ja-JP" altLang="en-US" sz="2400" b="1" dirty="0">
+                <a:solidFill>
+                  <a:srgbClr val="FF0000"/>
+                </a:solidFill>
+                <a:latin typeface="Georgia" panose="02040502050405020303" pitchFamily="18" charset="0"/>
+              </a:rPr>
+              <a:t>刻印：小</a:t>
+            </a:r>
+            <a:endParaRPr kumimoji="1" lang="ja-JP" altLang="en-US" sz="2400" b="1" dirty="0">
+              <a:solidFill>
+                <a:srgbClr val="FF0000"/>
+              </a:solidFill>
+              <a:latin typeface="Georgia" panose="02040502050405020303" pitchFamily="18" charset="0"/>
+            </a:endParaRPr>
+          </a:p>
+        </p:txBody>
+      </p:sp>
+      <p:cxnSp>
+        <p:nvCxnSpPr>
+          <p:cNvPr id="86" name="直線矢印コネクタ 85">
+            <a:extLst>
+              <a:ext uri="{FF2B5EF4-FFF2-40B4-BE49-F238E27FC236}">
+                <a16:creationId xmlns:a16="http://schemas.microsoft.com/office/drawing/2014/main" id="{8786E272-4994-43D2-B0B7-A10C189E0529}"/>
+              </a:ext>
+            </a:extLst>
+          </p:cNvPr>
+          <p:cNvCxnSpPr>
+            <a:cxnSpLocks/>
+          </p:cNvCxnSpPr>
+          <p:nvPr/>
+        </p:nvCxnSpPr>
+        <p:spPr>
+          <a:xfrm flipH="1">
+            <a:off x="6604374" y="1818395"/>
+            <a:ext cx="963324" cy="496505"/>
+          </a:xfrm>
+          <a:prstGeom prst="straightConnector1">
+            <a:avLst/>
+          </a:prstGeom>
+          <a:ln w="38100">
+            <a:solidFill>
+              <a:srgbClr val="FF0000"/>
+            </a:solidFill>
+            <a:tailEnd type="triangle"/>
+          </a:ln>
+        </p:spPr>
+        <p:style>
+          <a:lnRef idx="3">
+            <a:schemeClr val="dk1"/>
+          </a:lnRef>
+          <a:fillRef idx="0">
+            <a:schemeClr val="dk1"/>
+          </a:fillRef>
+          <a:effectRef idx="2">
+            <a:schemeClr val="dk1"/>
+          </a:effectRef>
+          <a:fontRef idx="minor">
+            <a:schemeClr val="tx1"/>
+          </a:fontRef>
+        </p:style>
+      </p:cxnSp>
+      <p:cxnSp>
+        <p:nvCxnSpPr>
+          <p:cNvPr id="87" name="直線矢印コネクタ 86">
+            <a:extLst>
+              <a:ext uri="{FF2B5EF4-FFF2-40B4-BE49-F238E27FC236}">
+                <a16:creationId xmlns:a16="http://schemas.microsoft.com/office/drawing/2014/main" id="{E5BF52E8-9973-4F82-9600-ABD0040D2766}"/>
+              </a:ext>
+            </a:extLst>
+          </p:cNvPr>
+          <p:cNvCxnSpPr>
+            <a:cxnSpLocks/>
+          </p:cNvCxnSpPr>
+          <p:nvPr/>
+        </p:nvCxnSpPr>
+        <p:spPr>
+          <a:xfrm flipH="1">
+            <a:off x="7283093" y="1916550"/>
+            <a:ext cx="650192" cy="927528"/>
+          </a:xfrm>
+          <a:prstGeom prst="straightConnector1">
+            <a:avLst/>
+          </a:prstGeom>
+          <a:ln w="38100">
+            <a:solidFill>
+              <a:srgbClr val="FF0000"/>
+            </a:solidFill>
+            <a:tailEnd type="triangle"/>
+          </a:ln>
+        </p:spPr>
+        <p:style>
+          <a:lnRef idx="3">
+            <a:schemeClr val="dk1"/>
+          </a:lnRef>
+          <a:fillRef idx="0">
+            <a:schemeClr val="dk1"/>
+          </a:fillRef>
+          <a:effectRef idx="2">
+            <a:schemeClr val="dk1"/>
+          </a:effectRef>
+          <a:fontRef idx="minor">
+            <a:schemeClr val="tx1"/>
+          </a:fontRef>
+        </p:style>
+      </p:cxnSp>
+      <p:sp>
+        <p:nvSpPr>
+          <p:cNvPr id="88" name="テキスト ボックス 87">
+            <a:extLst>
+              <a:ext uri="{FF2B5EF4-FFF2-40B4-BE49-F238E27FC236}">
+                <a16:creationId xmlns:a16="http://schemas.microsoft.com/office/drawing/2014/main" id="{EE8CD09F-3EC1-4891-A6FC-B7C5A88CE1FE}"/>
+              </a:ext>
+            </a:extLst>
+          </p:cNvPr>
+          <p:cNvSpPr txBox="1"/>
+          <p:nvPr/>
+        </p:nvSpPr>
+        <p:spPr>
+          <a:xfrm>
+            <a:off x="4998938" y="1461335"/>
+            <a:ext cx="1415772" cy="461665"/>
+          </a:xfrm>
+          <a:prstGeom prst="rect">
+            <a:avLst/>
+          </a:prstGeom>
+          <a:noFill/>
+        </p:spPr>
+        <p:txBody>
+          <a:bodyPr wrap="none" rtlCol="0">
+            <a:spAutoFit/>
+          </a:bodyPr>
+          <a:lstStyle/>
+          <a:p>
+            <a:r>
+              <a:rPr lang="ja-JP" altLang="en-US" sz="2400" b="1" dirty="0">
+                <a:solidFill>
+                  <a:srgbClr val="FF0000"/>
+                </a:solidFill>
+                <a:latin typeface="Georgia" panose="02040502050405020303" pitchFamily="18" charset="0"/>
+              </a:rPr>
+              <a:t>刻印：○</a:t>
+            </a:r>
+            <a:endParaRPr kumimoji="1" lang="ja-JP" altLang="en-US" sz="2400" b="1" dirty="0">
+              <a:solidFill>
+                <a:srgbClr val="FF0000"/>
+              </a:solidFill>
+              <a:latin typeface="Georgia" panose="02040502050405020303" pitchFamily="18" charset="0"/>
+            </a:endParaRPr>
+          </a:p>
+        </p:txBody>
+      </p:sp>
+      <p:cxnSp>
+        <p:nvCxnSpPr>
+          <p:cNvPr id="89" name="直線矢印コネクタ 88">
+            <a:extLst>
+              <a:ext uri="{FF2B5EF4-FFF2-40B4-BE49-F238E27FC236}">
+                <a16:creationId xmlns:a16="http://schemas.microsoft.com/office/drawing/2014/main" id="{A641E328-2CFD-4070-A12F-93072D75D167}"/>
+              </a:ext>
+            </a:extLst>
+          </p:cNvPr>
+          <p:cNvCxnSpPr>
+            <a:cxnSpLocks/>
+            <a:stCxn id="88" idx="2"/>
+          </p:cNvCxnSpPr>
+          <p:nvPr/>
+        </p:nvCxnSpPr>
+        <p:spPr>
+          <a:xfrm>
+            <a:off x="5706824" y="1923000"/>
+            <a:ext cx="400804" cy="1044249"/>
+          </a:xfrm>
+          <a:prstGeom prst="straightConnector1">
+            <a:avLst/>
+          </a:prstGeom>
+          <a:ln w="38100">
+            <a:solidFill>
+              <a:srgbClr val="FF0000"/>
+            </a:solidFill>
+            <a:tailEnd type="triangle"/>
+          </a:ln>
+        </p:spPr>
+        <p:style>
+          <a:lnRef idx="3">
+            <a:schemeClr val="dk1"/>
+          </a:lnRef>
+          <a:fillRef idx="0">
+            <a:schemeClr val="dk1"/>
+          </a:fillRef>
+          <a:effectRef idx="2">
+            <a:schemeClr val="dk1"/>
+          </a:effectRef>
+          <a:fontRef idx="minor">
+            <a:schemeClr val="tx1"/>
+          </a:fontRef>
+        </p:style>
+      </p:cxnSp>
+      <p:cxnSp>
+        <p:nvCxnSpPr>
+          <p:cNvPr id="90" name="直線矢印コネクタ 89">
+            <a:extLst>
+              <a:ext uri="{FF2B5EF4-FFF2-40B4-BE49-F238E27FC236}">
+                <a16:creationId xmlns:a16="http://schemas.microsoft.com/office/drawing/2014/main" id="{C4D1591D-FB85-41B6-BDAF-F6AA2609DEBE}"/>
+              </a:ext>
+            </a:extLst>
+          </p:cNvPr>
+          <p:cNvCxnSpPr>
+            <a:cxnSpLocks/>
+          </p:cNvCxnSpPr>
+          <p:nvPr/>
+        </p:nvCxnSpPr>
+        <p:spPr>
+          <a:xfrm>
+            <a:off x="5907226" y="1923000"/>
+            <a:ext cx="437675" cy="782235"/>
+          </a:xfrm>
+          <a:prstGeom prst="straightConnector1">
+            <a:avLst/>
+          </a:prstGeom>
+          <a:ln w="38100">
+            <a:solidFill>
+              <a:srgbClr val="FF0000"/>
+            </a:solidFill>
+            <a:tailEnd type="triangle"/>
+          </a:ln>
+        </p:spPr>
+        <p:style>
+          <a:lnRef idx="3">
+            <a:schemeClr val="dk1"/>
+          </a:lnRef>
+          <a:fillRef idx="0">
+            <a:schemeClr val="dk1"/>
+          </a:fillRef>
+          <a:effectRef idx="2">
+            <a:schemeClr val="dk1"/>
+          </a:effectRef>
+          <a:fontRef idx="minor">
+            <a:schemeClr val="tx1"/>
+          </a:fontRef>
+        </p:style>
+      </p:cxnSp>
+      <p:sp>
+        <p:nvSpPr>
+          <p:cNvPr id="91" name="テキスト ボックス 90">
+            <a:extLst>
+              <a:ext uri="{FF2B5EF4-FFF2-40B4-BE49-F238E27FC236}">
+                <a16:creationId xmlns:a16="http://schemas.microsoft.com/office/drawing/2014/main" id="{F3E143CA-43B2-4868-8E92-51261A9672BA}"/>
+              </a:ext>
+            </a:extLst>
+          </p:cNvPr>
+          <p:cNvSpPr txBox="1"/>
+          <p:nvPr/>
+        </p:nvSpPr>
+        <p:spPr>
+          <a:xfrm>
+            <a:off x="1752874" y="1314899"/>
+            <a:ext cx="2031325" cy="461665"/>
+          </a:xfrm>
+          <a:prstGeom prst="rect">
+            <a:avLst/>
+          </a:prstGeom>
+          <a:noFill/>
+        </p:spPr>
+        <p:txBody>
+          <a:bodyPr wrap="none" rtlCol="0">
+            <a:spAutoFit/>
+          </a:bodyPr>
+          <a:lstStyle/>
+          <a:p>
+            <a:r>
+              <a:rPr lang="ja-JP" altLang="en-US" sz="2400" b="1" dirty="0">
+                <a:solidFill>
+                  <a:srgbClr val="FF0000"/>
+                </a:solidFill>
+                <a:latin typeface="Georgia" panose="02040502050405020303" pitchFamily="18" charset="0"/>
+              </a:rPr>
+              <a:t>コネクタ：３</a:t>
+            </a:r>
+            <a:endParaRPr kumimoji="1" lang="ja-JP" altLang="en-US" sz="2400" b="1" dirty="0">
+              <a:solidFill>
+                <a:srgbClr val="FF0000"/>
+              </a:solidFill>
+              <a:latin typeface="Georgia" panose="02040502050405020303" pitchFamily="18" charset="0"/>
+            </a:endParaRPr>
+          </a:p>
+        </p:txBody>
+      </p:sp>
+      <p:cxnSp>
+        <p:nvCxnSpPr>
+          <p:cNvPr id="92" name="直線矢印コネクタ 91">
+            <a:extLst>
+              <a:ext uri="{FF2B5EF4-FFF2-40B4-BE49-F238E27FC236}">
+                <a16:creationId xmlns:a16="http://schemas.microsoft.com/office/drawing/2014/main" id="{669A7734-803D-471C-8ADD-F0F05DFB335C}"/>
+              </a:ext>
+            </a:extLst>
+          </p:cNvPr>
+          <p:cNvCxnSpPr>
+            <a:cxnSpLocks/>
+          </p:cNvCxnSpPr>
+          <p:nvPr/>
+        </p:nvCxnSpPr>
+        <p:spPr>
+          <a:xfrm>
+            <a:off x="3127994" y="1770692"/>
+            <a:ext cx="453161" cy="886972"/>
+          </a:xfrm>
+          <a:prstGeom prst="straightConnector1">
+            <a:avLst/>
+          </a:prstGeom>
+          <a:ln w="38100">
+            <a:solidFill>
+              <a:srgbClr val="FF0000"/>
+            </a:solidFill>
+            <a:tailEnd type="triangle"/>
+          </a:ln>
+        </p:spPr>
+        <p:style>
+          <a:lnRef idx="3">
+            <a:schemeClr val="dk1"/>
+          </a:lnRef>
+          <a:fillRef idx="0">
+            <a:schemeClr val="dk1"/>
+          </a:fillRef>
+          <a:effectRef idx="2">
+            <a:schemeClr val="dk1"/>
+          </a:effectRef>
+          <a:fontRef idx="minor">
+            <a:schemeClr val="tx1"/>
+          </a:fontRef>
+        </p:style>
+      </p:cxnSp>
+      <p:cxnSp>
+        <p:nvCxnSpPr>
+          <p:cNvPr id="93" name="直線矢印コネクタ 92">
+            <a:extLst>
+              <a:ext uri="{FF2B5EF4-FFF2-40B4-BE49-F238E27FC236}">
+                <a16:creationId xmlns:a16="http://schemas.microsoft.com/office/drawing/2014/main" id="{11696364-01C5-4089-B048-7569715F1A78}"/>
+              </a:ext>
+            </a:extLst>
+          </p:cNvPr>
+          <p:cNvCxnSpPr>
+            <a:cxnSpLocks/>
+          </p:cNvCxnSpPr>
+          <p:nvPr/>
+        </p:nvCxnSpPr>
+        <p:spPr>
+          <a:xfrm>
+            <a:off x="3241891" y="1732851"/>
+            <a:ext cx="888669" cy="493066"/>
+          </a:xfrm>
+          <a:prstGeom prst="straightConnector1">
+            <a:avLst/>
+          </a:prstGeom>
+          <a:ln w="38100">
+            <a:solidFill>
+              <a:srgbClr val="FF0000"/>
+            </a:solidFill>
+            <a:tailEnd type="triangle"/>
+          </a:ln>
+        </p:spPr>
+        <p:style>
+          <a:lnRef idx="3">
+            <a:schemeClr val="dk1"/>
+          </a:lnRef>
+          <a:fillRef idx="0">
+            <a:schemeClr val="dk1"/>
+          </a:fillRef>
+          <a:effectRef idx="2">
+            <a:schemeClr val="dk1"/>
+          </a:effectRef>
+          <a:fontRef idx="minor">
+            <a:schemeClr val="tx1"/>
+          </a:fontRef>
+        </p:style>
+      </p:cxnSp>
+      <p:sp>
+        <p:nvSpPr>
+          <p:cNvPr id="94" name="テキスト ボックス 93">
+            <a:extLst>
+              <a:ext uri="{FF2B5EF4-FFF2-40B4-BE49-F238E27FC236}">
+                <a16:creationId xmlns:a16="http://schemas.microsoft.com/office/drawing/2014/main" id="{9DF25DEB-2B09-472C-9F5F-978E1A5834F5}"/>
+              </a:ext>
+            </a:extLst>
+          </p:cNvPr>
+          <p:cNvSpPr txBox="1"/>
+          <p:nvPr/>
+        </p:nvSpPr>
+        <p:spPr>
+          <a:xfrm>
+            <a:off x="1671950" y="3652202"/>
+            <a:ext cx="2031325" cy="461665"/>
+          </a:xfrm>
+          <a:prstGeom prst="rect">
+            <a:avLst/>
+          </a:prstGeom>
+          <a:noFill/>
+        </p:spPr>
+        <p:txBody>
+          <a:bodyPr wrap="none" rtlCol="0">
+            <a:spAutoFit/>
+          </a:bodyPr>
+          <a:lstStyle/>
+          <a:p>
+            <a:r>
+              <a:rPr lang="ja-JP" altLang="en-US" sz="2400" b="1" dirty="0">
+                <a:solidFill>
+                  <a:srgbClr val="FF0000"/>
+                </a:solidFill>
+                <a:latin typeface="Georgia" panose="02040502050405020303" pitchFamily="18" charset="0"/>
+              </a:rPr>
+              <a:t>コネクタ：２</a:t>
+            </a:r>
+            <a:endParaRPr kumimoji="1" lang="ja-JP" altLang="en-US" sz="2400" b="1" dirty="0">
+              <a:solidFill>
+                <a:srgbClr val="FF0000"/>
+              </a:solidFill>
+              <a:latin typeface="Georgia" panose="02040502050405020303" pitchFamily="18" charset="0"/>
+            </a:endParaRPr>
+          </a:p>
+        </p:txBody>
+      </p:sp>
+      <p:cxnSp>
+        <p:nvCxnSpPr>
+          <p:cNvPr id="95" name="直線矢印コネクタ 94">
+            <a:extLst>
+              <a:ext uri="{FF2B5EF4-FFF2-40B4-BE49-F238E27FC236}">
+                <a16:creationId xmlns:a16="http://schemas.microsoft.com/office/drawing/2014/main" id="{C49A1471-4B84-4DB3-A02A-739E0866419A}"/>
+              </a:ext>
+            </a:extLst>
+          </p:cNvPr>
+          <p:cNvCxnSpPr>
+            <a:cxnSpLocks/>
+          </p:cNvCxnSpPr>
+          <p:nvPr/>
+        </p:nvCxnSpPr>
+        <p:spPr>
+          <a:xfrm flipV="1">
+            <a:off x="3241891" y="2885046"/>
+            <a:ext cx="992589" cy="723283"/>
+          </a:xfrm>
+          <a:prstGeom prst="straightConnector1">
+            <a:avLst/>
+          </a:prstGeom>
+          <a:ln w="38100">
+            <a:solidFill>
+              <a:srgbClr val="FF0000"/>
+            </a:solidFill>
+            <a:tailEnd type="triangle"/>
+          </a:ln>
+        </p:spPr>
+        <p:style>
+          <a:lnRef idx="3">
+            <a:schemeClr val="dk1"/>
+          </a:lnRef>
+          <a:fillRef idx="0">
+            <a:schemeClr val="dk1"/>
+          </a:fillRef>
+          <a:effectRef idx="2">
+            <a:schemeClr val="dk1"/>
+          </a:effectRef>
+          <a:fontRef idx="minor">
+            <a:schemeClr val="tx1"/>
+          </a:fontRef>
+        </p:style>
+      </p:cxnSp>
+      <p:cxnSp>
+        <p:nvCxnSpPr>
+          <p:cNvPr id="96" name="直線矢印コネクタ 95">
+            <a:extLst>
+              <a:ext uri="{FF2B5EF4-FFF2-40B4-BE49-F238E27FC236}">
+                <a16:creationId xmlns:a16="http://schemas.microsoft.com/office/drawing/2014/main" id="{6F477AA6-42E7-4C5F-97E5-A3A83CE7E2F9}"/>
+              </a:ext>
+            </a:extLst>
+          </p:cNvPr>
+          <p:cNvCxnSpPr>
+            <a:cxnSpLocks/>
+          </p:cNvCxnSpPr>
+          <p:nvPr/>
+        </p:nvCxnSpPr>
+        <p:spPr>
+          <a:xfrm flipV="1">
+            <a:off x="3481751" y="3158471"/>
+            <a:ext cx="1046714" cy="463891"/>
+          </a:xfrm>
+          <a:prstGeom prst="straightConnector1">
+            <a:avLst/>
+          </a:prstGeom>
+          <a:ln w="38100">
+            <a:solidFill>
+              <a:srgbClr val="FF0000"/>
+            </a:solidFill>
+            <a:tailEnd type="triangle"/>
+          </a:ln>
+        </p:spPr>
+        <p:style>
+          <a:lnRef idx="3">
+            <a:schemeClr val="dk1"/>
+          </a:lnRef>
+          <a:fillRef idx="0">
+            <a:schemeClr val="dk1"/>
+          </a:fillRef>
+          <a:effectRef idx="2">
+            <a:schemeClr val="dk1"/>
+          </a:effectRef>
+          <a:fontRef idx="minor">
+            <a:schemeClr val="tx1"/>
+          </a:fontRef>
+        </p:style>
+      </p:cxnSp>
+      <p:sp>
+        <p:nvSpPr>
+          <p:cNvPr id="97" name="テキスト ボックス 68">
+            <a:extLst>
+              <a:ext uri="{FF2B5EF4-FFF2-40B4-BE49-F238E27FC236}">
+                <a16:creationId xmlns:a16="http://schemas.microsoft.com/office/drawing/2014/main" id="{0D23427B-17A7-4E33-9EE0-819AF9324C27}"/>
+              </a:ext>
+            </a:extLst>
+          </p:cNvPr>
+          <p:cNvSpPr txBox="1"/>
+          <p:nvPr/>
+        </p:nvSpPr>
+        <p:spPr>
+          <a:xfrm>
+            <a:off x="4321458" y="1979812"/>
+            <a:ext cx="2230098" cy="461665"/>
+          </a:xfrm>
+          <a:prstGeom prst="rect">
+            <a:avLst/>
+          </a:prstGeom>
+          <a:noFill/>
+        </p:spPr>
+        <p:txBody>
+          <a:bodyPr wrap="none" rtlCol="0">
+            <a:spAutoFit/>
+          </a:bodyPr>
+          <a:lstStyle>
+            <a:defPPr>
+              <a:defRPr lang="ja-JP"/>
+            </a:defPPr>
+            <a:lvl1pPr marL="0" algn="l" defTabSz="914400" rtl="0" eaLnBrk="1" latinLnBrk="0" hangingPunct="1">
+              <a:defRPr kumimoji="1" sz="1800" kern="1200">
+                <a:solidFill>
+                  <a:schemeClr val="tx1"/>
+                </a:solidFill>
+                <a:latin typeface="+mn-lt"/>
+                <a:ea typeface="+mn-ea"/>
+                <a:cs typeface="+mn-cs"/>
+              </a:defRPr>
+            </a:lvl1pPr>
+            <a:lvl2pPr marL="457200" algn="l" defTabSz="914400" rtl="0" eaLnBrk="1" latinLnBrk="0" hangingPunct="1">
+              <a:defRPr kumimoji="1" sz="1800" kern="1200">
+                <a:solidFill>
+                  <a:schemeClr val="tx1"/>
+                </a:solidFill>
+                <a:latin typeface="+mn-lt"/>
+                <a:ea typeface="+mn-ea"/>
+                <a:cs typeface="+mn-cs"/>
+              </a:defRPr>
+            </a:lvl2pPr>
+            <a:lvl3pPr marL="914400" algn="l" defTabSz="914400" rtl="0" eaLnBrk="1" latinLnBrk="0" hangingPunct="1">
+              <a:defRPr kumimoji="1" sz="1800" kern="1200">
+                <a:solidFill>
+                  <a:schemeClr val="tx1"/>
+                </a:solidFill>
+                <a:latin typeface="+mn-lt"/>
+                <a:ea typeface="+mn-ea"/>
+                <a:cs typeface="+mn-cs"/>
+              </a:defRPr>
+            </a:lvl3pPr>
+            <a:lvl4pPr marL="1371600" algn="l" defTabSz="914400" rtl="0" eaLnBrk="1" latinLnBrk="0" hangingPunct="1">
+              <a:defRPr kumimoji="1" sz="1800" kern="1200">
+                <a:solidFill>
+                  <a:schemeClr val="tx1"/>
+                </a:solidFill>
+                <a:latin typeface="+mn-lt"/>
+                <a:ea typeface="+mn-ea"/>
+                <a:cs typeface="+mn-cs"/>
+              </a:defRPr>
+            </a:lvl4pPr>
+            <a:lvl5pPr marL="1828800" algn="l" defTabSz="914400" rtl="0" eaLnBrk="1" latinLnBrk="0" hangingPunct="1">
+              <a:defRPr kumimoji="1" sz="1800" kern="1200">
+                <a:solidFill>
+                  <a:schemeClr val="tx1"/>
+                </a:solidFill>
+                <a:latin typeface="+mn-lt"/>
+                <a:ea typeface="+mn-ea"/>
+                <a:cs typeface="+mn-cs"/>
+              </a:defRPr>
+            </a:lvl5pPr>
+            <a:lvl6pPr marL="2286000" algn="l" defTabSz="914400" rtl="0" eaLnBrk="1" latinLnBrk="0" hangingPunct="1">
+              <a:defRPr kumimoji="1" sz="1800" kern="1200">
+                <a:solidFill>
+                  <a:schemeClr val="tx1"/>
+                </a:solidFill>
+                <a:latin typeface="+mn-lt"/>
+                <a:ea typeface="+mn-ea"/>
+                <a:cs typeface="+mn-cs"/>
+              </a:defRPr>
+            </a:lvl6pPr>
+            <a:lvl7pPr marL="2743200" algn="l" defTabSz="914400" rtl="0" eaLnBrk="1" latinLnBrk="0" hangingPunct="1">
+              <a:defRPr kumimoji="1" sz="1800" kern="1200">
+                <a:solidFill>
+                  <a:schemeClr val="tx1"/>
+                </a:solidFill>
+                <a:latin typeface="+mn-lt"/>
+                <a:ea typeface="+mn-ea"/>
+                <a:cs typeface="+mn-cs"/>
+              </a:defRPr>
+            </a:lvl7pPr>
+            <a:lvl8pPr marL="3200400" algn="l" defTabSz="914400" rtl="0" eaLnBrk="1" latinLnBrk="0" hangingPunct="1">
+              <a:defRPr kumimoji="1" sz="1800" kern="1200">
+                <a:solidFill>
+                  <a:schemeClr val="tx1"/>
+                </a:solidFill>
+                <a:latin typeface="+mn-lt"/>
+                <a:ea typeface="+mn-ea"/>
+                <a:cs typeface="+mn-cs"/>
+              </a:defRPr>
+            </a:lvl8pPr>
+            <a:lvl9pPr marL="3657600" algn="l" defTabSz="914400" rtl="0" eaLnBrk="1" latinLnBrk="0" hangingPunct="1">
+              <a:defRPr kumimoji="1" sz="1800" kern="1200">
+                <a:solidFill>
+                  <a:schemeClr val="tx1"/>
+                </a:solidFill>
+                <a:latin typeface="+mn-lt"/>
+                <a:ea typeface="+mn-ea"/>
+                <a:cs typeface="+mn-cs"/>
+              </a:defRPr>
+            </a:lvl9pPr>
+          </a:lstStyle>
+          <a:p>
+            <a:r>
+              <a:rPr lang="en-US" altLang="ja-JP" sz="2400" b="1" dirty="0">
+                <a:solidFill>
+                  <a:schemeClr val="accent6">
+                    <a:lumMod val="60000"/>
+                    <a:lumOff val="40000"/>
+                  </a:schemeClr>
+                </a:solidFill>
+                <a:latin typeface="+mn-ea"/>
+              </a:rPr>
+              <a:t>10</a:t>
+            </a:r>
+            <a:r>
+              <a:rPr kumimoji="1" lang="en-US" altLang="ja-JP" sz="2400" b="1" dirty="0">
+                <a:solidFill>
+                  <a:schemeClr val="accent6">
+                    <a:lumMod val="60000"/>
+                    <a:lumOff val="40000"/>
+                  </a:schemeClr>
+                </a:solidFill>
+                <a:latin typeface="+mn-ea"/>
+              </a:rPr>
+              <a:t>0+150+100</a:t>
+            </a:r>
+            <a:endParaRPr kumimoji="1" lang="ja-JP" altLang="en-US" sz="2400" b="1" dirty="0">
+              <a:solidFill>
+                <a:schemeClr val="accent6">
+                  <a:lumMod val="60000"/>
+                  <a:lumOff val="40000"/>
+                </a:schemeClr>
+              </a:solidFill>
+              <a:latin typeface="+mn-ea"/>
+            </a:endParaRPr>
+          </a:p>
+        </p:txBody>
+      </p:sp>
+      <p:sp>
+        <p:nvSpPr>
+          <p:cNvPr id="99" name="テキスト ボックス 68">
+            <a:extLst>
+              <a:ext uri="{FF2B5EF4-FFF2-40B4-BE49-F238E27FC236}">
+                <a16:creationId xmlns:a16="http://schemas.microsoft.com/office/drawing/2014/main" id="{DA05AB83-7719-4618-9C0C-CF61504EA001}"/>
+              </a:ext>
+            </a:extLst>
+          </p:cNvPr>
+          <p:cNvSpPr txBox="1"/>
+          <p:nvPr/>
+        </p:nvSpPr>
+        <p:spPr>
+          <a:xfrm>
+            <a:off x="7107562" y="941912"/>
+            <a:ext cx="2230098" cy="461665"/>
+          </a:xfrm>
+          <a:prstGeom prst="rect">
+            <a:avLst/>
+          </a:prstGeom>
+          <a:noFill/>
+        </p:spPr>
+        <p:txBody>
+          <a:bodyPr wrap="none" rtlCol="0">
+            <a:spAutoFit/>
+          </a:bodyPr>
+          <a:lstStyle>
+            <a:defPPr>
+              <a:defRPr lang="ja-JP"/>
+            </a:defPPr>
+            <a:lvl1pPr marL="0" algn="l" defTabSz="914400" rtl="0" eaLnBrk="1" latinLnBrk="0" hangingPunct="1">
+              <a:defRPr kumimoji="1" sz="1800" kern="1200">
+                <a:solidFill>
+                  <a:schemeClr val="tx1"/>
+                </a:solidFill>
+                <a:latin typeface="+mn-lt"/>
+                <a:ea typeface="+mn-ea"/>
+                <a:cs typeface="+mn-cs"/>
+              </a:defRPr>
+            </a:lvl1pPr>
+            <a:lvl2pPr marL="457200" algn="l" defTabSz="914400" rtl="0" eaLnBrk="1" latinLnBrk="0" hangingPunct="1">
+              <a:defRPr kumimoji="1" sz="1800" kern="1200">
+                <a:solidFill>
+                  <a:schemeClr val="tx1"/>
+                </a:solidFill>
+                <a:latin typeface="+mn-lt"/>
+                <a:ea typeface="+mn-ea"/>
+                <a:cs typeface="+mn-cs"/>
+              </a:defRPr>
+            </a:lvl2pPr>
+            <a:lvl3pPr marL="914400" algn="l" defTabSz="914400" rtl="0" eaLnBrk="1" latinLnBrk="0" hangingPunct="1">
+              <a:defRPr kumimoji="1" sz="1800" kern="1200">
+                <a:solidFill>
+                  <a:schemeClr val="tx1"/>
+                </a:solidFill>
+                <a:latin typeface="+mn-lt"/>
+                <a:ea typeface="+mn-ea"/>
+                <a:cs typeface="+mn-cs"/>
+              </a:defRPr>
+            </a:lvl3pPr>
+            <a:lvl4pPr marL="1371600" algn="l" defTabSz="914400" rtl="0" eaLnBrk="1" latinLnBrk="0" hangingPunct="1">
+              <a:defRPr kumimoji="1" sz="1800" kern="1200">
+                <a:solidFill>
+                  <a:schemeClr val="tx1"/>
+                </a:solidFill>
+                <a:latin typeface="+mn-lt"/>
+                <a:ea typeface="+mn-ea"/>
+                <a:cs typeface="+mn-cs"/>
+              </a:defRPr>
+            </a:lvl4pPr>
+            <a:lvl5pPr marL="1828800" algn="l" defTabSz="914400" rtl="0" eaLnBrk="1" latinLnBrk="0" hangingPunct="1">
+              <a:defRPr kumimoji="1" sz="1800" kern="1200">
+                <a:solidFill>
+                  <a:schemeClr val="tx1"/>
+                </a:solidFill>
+                <a:latin typeface="+mn-lt"/>
+                <a:ea typeface="+mn-ea"/>
+                <a:cs typeface="+mn-cs"/>
+              </a:defRPr>
+            </a:lvl5pPr>
+            <a:lvl6pPr marL="2286000" algn="l" defTabSz="914400" rtl="0" eaLnBrk="1" latinLnBrk="0" hangingPunct="1">
+              <a:defRPr kumimoji="1" sz="1800" kern="1200">
+                <a:solidFill>
+                  <a:schemeClr val="tx1"/>
+                </a:solidFill>
+                <a:latin typeface="+mn-lt"/>
+                <a:ea typeface="+mn-ea"/>
+                <a:cs typeface="+mn-cs"/>
+              </a:defRPr>
+            </a:lvl6pPr>
+            <a:lvl7pPr marL="2743200" algn="l" defTabSz="914400" rtl="0" eaLnBrk="1" latinLnBrk="0" hangingPunct="1">
+              <a:defRPr kumimoji="1" sz="1800" kern="1200">
+                <a:solidFill>
+                  <a:schemeClr val="tx1"/>
+                </a:solidFill>
+                <a:latin typeface="+mn-lt"/>
+                <a:ea typeface="+mn-ea"/>
+                <a:cs typeface="+mn-cs"/>
+              </a:defRPr>
+            </a:lvl7pPr>
+            <a:lvl8pPr marL="3200400" algn="l" defTabSz="914400" rtl="0" eaLnBrk="1" latinLnBrk="0" hangingPunct="1">
+              <a:defRPr kumimoji="1" sz="1800" kern="1200">
+                <a:solidFill>
+                  <a:schemeClr val="tx1"/>
+                </a:solidFill>
+                <a:latin typeface="+mn-lt"/>
+                <a:ea typeface="+mn-ea"/>
+                <a:cs typeface="+mn-cs"/>
+              </a:defRPr>
+            </a:lvl8pPr>
+            <a:lvl9pPr marL="3657600" algn="l" defTabSz="914400" rtl="0" eaLnBrk="1" latinLnBrk="0" hangingPunct="1">
+              <a:defRPr kumimoji="1" sz="1800" kern="1200">
+                <a:solidFill>
+                  <a:schemeClr val="tx1"/>
+                </a:solidFill>
+                <a:latin typeface="+mn-lt"/>
+                <a:ea typeface="+mn-ea"/>
+                <a:cs typeface="+mn-cs"/>
+              </a:defRPr>
+            </a:lvl9pPr>
+          </a:lstStyle>
+          <a:p>
+            <a:r>
+              <a:rPr lang="en-US" altLang="ja-JP" sz="2400" b="1" dirty="0">
+                <a:solidFill>
+                  <a:schemeClr val="accent6">
+                    <a:lumMod val="60000"/>
+                    <a:lumOff val="40000"/>
+                  </a:schemeClr>
+                </a:solidFill>
+                <a:latin typeface="+mn-ea"/>
+              </a:rPr>
+              <a:t>10</a:t>
+            </a:r>
+            <a:r>
+              <a:rPr kumimoji="1" lang="en-US" altLang="ja-JP" sz="2400" b="1" dirty="0">
+                <a:solidFill>
+                  <a:schemeClr val="accent6">
+                    <a:lumMod val="60000"/>
+                    <a:lumOff val="40000"/>
+                  </a:schemeClr>
+                </a:solidFill>
+                <a:latin typeface="+mn-ea"/>
+              </a:rPr>
+              <a:t>0+150+100</a:t>
+            </a:r>
+            <a:endParaRPr kumimoji="1" lang="ja-JP" altLang="en-US" sz="2400" b="1" dirty="0">
+              <a:solidFill>
+                <a:schemeClr val="accent6">
+                  <a:lumMod val="60000"/>
+                  <a:lumOff val="40000"/>
+                </a:schemeClr>
+              </a:solidFill>
+              <a:latin typeface="+mn-ea"/>
+            </a:endParaRPr>
+          </a:p>
+        </p:txBody>
+      </p:sp>
+      <p:sp>
+        <p:nvSpPr>
+          <p:cNvPr id="100" name="テキスト ボックス 68">
+            <a:extLst>
+              <a:ext uri="{FF2B5EF4-FFF2-40B4-BE49-F238E27FC236}">
+                <a16:creationId xmlns:a16="http://schemas.microsoft.com/office/drawing/2014/main" id="{10161B42-2C03-434D-8FD7-6A1D1B0D419E}"/>
+              </a:ext>
+            </a:extLst>
+          </p:cNvPr>
+          <p:cNvSpPr txBox="1"/>
+          <p:nvPr/>
+        </p:nvSpPr>
+        <p:spPr>
+          <a:xfrm>
+            <a:off x="669799" y="2988530"/>
+            <a:ext cx="1471878" cy="461665"/>
+          </a:xfrm>
+          <a:prstGeom prst="rect">
+            <a:avLst/>
+          </a:prstGeom>
+          <a:noFill/>
+        </p:spPr>
+        <p:txBody>
+          <a:bodyPr wrap="none" rtlCol="0">
+            <a:spAutoFit/>
+          </a:bodyPr>
+          <a:lstStyle>
+            <a:defPPr>
+              <a:defRPr lang="ja-JP"/>
+            </a:defPPr>
+            <a:lvl1pPr marL="0" algn="l" defTabSz="914400" rtl="0" eaLnBrk="1" latinLnBrk="0" hangingPunct="1">
+              <a:defRPr kumimoji="1" sz="1800" kern="1200">
+                <a:solidFill>
+                  <a:schemeClr val="tx1"/>
+                </a:solidFill>
+                <a:latin typeface="+mn-lt"/>
+                <a:ea typeface="+mn-ea"/>
+                <a:cs typeface="+mn-cs"/>
+              </a:defRPr>
+            </a:lvl1pPr>
+            <a:lvl2pPr marL="457200" algn="l" defTabSz="914400" rtl="0" eaLnBrk="1" latinLnBrk="0" hangingPunct="1">
+              <a:defRPr kumimoji="1" sz="1800" kern="1200">
+                <a:solidFill>
+                  <a:schemeClr val="tx1"/>
+                </a:solidFill>
+                <a:latin typeface="+mn-lt"/>
+                <a:ea typeface="+mn-ea"/>
+                <a:cs typeface="+mn-cs"/>
+              </a:defRPr>
+            </a:lvl2pPr>
+            <a:lvl3pPr marL="914400" algn="l" defTabSz="914400" rtl="0" eaLnBrk="1" latinLnBrk="0" hangingPunct="1">
+              <a:defRPr kumimoji="1" sz="1800" kern="1200">
+                <a:solidFill>
+                  <a:schemeClr val="tx1"/>
+                </a:solidFill>
+                <a:latin typeface="+mn-lt"/>
+                <a:ea typeface="+mn-ea"/>
+                <a:cs typeface="+mn-cs"/>
+              </a:defRPr>
+            </a:lvl3pPr>
+            <a:lvl4pPr marL="1371600" algn="l" defTabSz="914400" rtl="0" eaLnBrk="1" latinLnBrk="0" hangingPunct="1">
+              <a:defRPr kumimoji="1" sz="1800" kern="1200">
+                <a:solidFill>
+                  <a:schemeClr val="tx1"/>
+                </a:solidFill>
+                <a:latin typeface="+mn-lt"/>
+                <a:ea typeface="+mn-ea"/>
+                <a:cs typeface="+mn-cs"/>
+              </a:defRPr>
+            </a:lvl4pPr>
+            <a:lvl5pPr marL="1828800" algn="l" defTabSz="914400" rtl="0" eaLnBrk="1" latinLnBrk="0" hangingPunct="1">
+              <a:defRPr kumimoji="1" sz="1800" kern="1200">
+                <a:solidFill>
+                  <a:schemeClr val="tx1"/>
+                </a:solidFill>
+                <a:latin typeface="+mn-lt"/>
+                <a:ea typeface="+mn-ea"/>
+                <a:cs typeface="+mn-cs"/>
+              </a:defRPr>
+            </a:lvl5pPr>
+            <a:lvl6pPr marL="2286000" algn="l" defTabSz="914400" rtl="0" eaLnBrk="1" latinLnBrk="0" hangingPunct="1">
+              <a:defRPr kumimoji="1" sz="1800" kern="1200">
+                <a:solidFill>
+                  <a:schemeClr val="tx1"/>
+                </a:solidFill>
+                <a:latin typeface="+mn-lt"/>
+                <a:ea typeface="+mn-ea"/>
+                <a:cs typeface="+mn-cs"/>
+              </a:defRPr>
+            </a:lvl6pPr>
+            <a:lvl7pPr marL="2743200" algn="l" defTabSz="914400" rtl="0" eaLnBrk="1" latinLnBrk="0" hangingPunct="1">
+              <a:defRPr kumimoji="1" sz="1800" kern="1200">
+                <a:solidFill>
+                  <a:schemeClr val="tx1"/>
+                </a:solidFill>
+                <a:latin typeface="+mn-lt"/>
+                <a:ea typeface="+mn-ea"/>
+                <a:cs typeface="+mn-cs"/>
+              </a:defRPr>
+            </a:lvl7pPr>
+            <a:lvl8pPr marL="3200400" algn="l" defTabSz="914400" rtl="0" eaLnBrk="1" latinLnBrk="0" hangingPunct="1">
+              <a:defRPr kumimoji="1" sz="1800" kern="1200">
+                <a:solidFill>
+                  <a:schemeClr val="tx1"/>
+                </a:solidFill>
+                <a:latin typeface="+mn-lt"/>
+                <a:ea typeface="+mn-ea"/>
+                <a:cs typeface="+mn-cs"/>
+              </a:defRPr>
+            </a:lvl8pPr>
+            <a:lvl9pPr marL="3657600" algn="l" defTabSz="914400" rtl="0" eaLnBrk="1" latinLnBrk="0" hangingPunct="1">
+              <a:defRPr kumimoji="1" sz="1800" kern="1200">
+                <a:solidFill>
+                  <a:schemeClr val="tx1"/>
+                </a:solidFill>
+                <a:latin typeface="+mn-lt"/>
+                <a:ea typeface="+mn-ea"/>
+                <a:cs typeface="+mn-cs"/>
+              </a:defRPr>
+            </a:lvl9pPr>
+          </a:lstStyle>
+          <a:p>
+            <a:r>
+              <a:rPr lang="en-US" altLang="ja-JP" sz="2400" b="1" dirty="0">
+                <a:solidFill>
+                  <a:schemeClr val="accent6">
+                    <a:lumMod val="60000"/>
+                    <a:lumOff val="40000"/>
+                  </a:schemeClr>
+                </a:solidFill>
+                <a:latin typeface="+mn-ea"/>
+              </a:rPr>
+              <a:t>15</a:t>
+            </a:r>
+            <a:r>
+              <a:rPr kumimoji="1" lang="en-US" altLang="ja-JP" sz="2400" b="1" dirty="0">
+                <a:solidFill>
+                  <a:schemeClr val="accent6">
+                    <a:lumMod val="60000"/>
+                    <a:lumOff val="40000"/>
+                  </a:schemeClr>
+                </a:solidFill>
+                <a:latin typeface="+mn-ea"/>
+              </a:rPr>
+              <a:t>0+100</a:t>
+            </a:r>
+            <a:endParaRPr kumimoji="1" lang="ja-JP" altLang="en-US" sz="2400" b="1" dirty="0">
+              <a:solidFill>
+                <a:schemeClr val="accent6">
+                  <a:lumMod val="60000"/>
+                  <a:lumOff val="40000"/>
+                </a:schemeClr>
+              </a:solidFill>
+              <a:latin typeface="+mn-ea"/>
+            </a:endParaRPr>
+          </a:p>
+        </p:txBody>
+      </p:sp>
+      <p:cxnSp>
+        <p:nvCxnSpPr>
+          <p:cNvPr id="101" name="直線コネクタ 100">
+            <a:extLst>
+              <a:ext uri="{FF2B5EF4-FFF2-40B4-BE49-F238E27FC236}">
+                <a16:creationId xmlns:a16="http://schemas.microsoft.com/office/drawing/2014/main" id="{3A3F75A9-E31C-4D3F-8DC1-6353FA7A8F4A}"/>
+              </a:ext>
+            </a:extLst>
+          </p:cNvPr>
+          <p:cNvCxnSpPr>
+            <a:cxnSpLocks/>
+          </p:cNvCxnSpPr>
+          <p:nvPr/>
+        </p:nvCxnSpPr>
+        <p:spPr>
+          <a:xfrm flipH="1" flipV="1">
+            <a:off x="265119" y="1242885"/>
+            <a:ext cx="1431563" cy="23391"/>
+          </a:xfrm>
+          <a:prstGeom prst="line">
+            <a:avLst/>
+          </a:prstGeom>
+          <a:ln w="57150">
+            <a:solidFill>
+              <a:schemeClr val="bg2">
+                <a:lumMod val="50000"/>
+              </a:schemeClr>
+            </a:solidFill>
+            <a:prstDash val="sysDash"/>
+          </a:ln>
+        </p:spPr>
+        <p:style>
+          <a:lnRef idx="1">
+            <a:schemeClr val="accent1"/>
+          </a:lnRef>
+          <a:fillRef idx="0">
+            <a:schemeClr val="accent1"/>
+          </a:fillRef>
+          <a:effectRef idx="0">
+            <a:schemeClr val="accent1"/>
+          </a:effectRef>
+          <a:fontRef idx="minor">
+            <a:schemeClr val="tx1"/>
+          </a:fontRef>
+        </p:style>
+      </p:cxnSp>
+      <p:sp>
+        <p:nvSpPr>
+          <p:cNvPr id="102" name="テキスト ボックス 68">
+            <a:extLst>
+              <a:ext uri="{FF2B5EF4-FFF2-40B4-BE49-F238E27FC236}">
+                <a16:creationId xmlns:a16="http://schemas.microsoft.com/office/drawing/2014/main" id="{D2C9FD30-57F8-4170-AB1A-D123D0D6BAD3}"/>
+              </a:ext>
+            </a:extLst>
+          </p:cNvPr>
+          <p:cNvSpPr txBox="1"/>
+          <p:nvPr/>
+        </p:nvSpPr>
+        <p:spPr>
+          <a:xfrm>
+            <a:off x="1463549" y="4471775"/>
+            <a:ext cx="2230098" cy="461665"/>
+          </a:xfrm>
+          <a:prstGeom prst="rect">
+            <a:avLst/>
+          </a:prstGeom>
+          <a:noFill/>
+        </p:spPr>
+        <p:txBody>
+          <a:bodyPr wrap="none" rtlCol="0">
+            <a:spAutoFit/>
+          </a:bodyPr>
+          <a:lstStyle>
+            <a:defPPr>
+              <a:defRPr lang="ja-JP"/>
+            </a:defPPr>
+            <a:lvl1pPr marL="0" algn="l" defTabSz="914400" rtl="0" eaLnBrk="1" latinLnBrk="0" hangingPunct="1">
+              <a:defRPr kumimoji="1" sz="1800" kern="1200">
+                <a:solidFill>
+                  <a:schemeClr val="tx1"/>
+                </a:solidFill>
+                <a:latin typeface="+mn-lt"/>
+                <a:ea typeface="+mn-ea"/>
+                <a:cs typeface="+mn-cs"/>
+              </a:defRPr>
+            </a:lvl1pPr>
+            <a:lvl2pPr marL="457200" algn="l" defTabSz="914400" rtl="0" eaLnBrk="1" latinLnBrk="0" hangingPunct="1">
+              <a:defRPr kumimoji="1" sz="1800" kern="1200">
+                <a:solidFill>
+                  <a:schemeClr val="tx1"/>
+                </a:solidFill>
+                <a:latin typeface="+mn-lt"/>
+                <a:ea typeface="+mn-ea"/>
+                <a:cs typeface="+mn-cs"/>
+              </a:defRPr>
+            </a:lvl2pPr>
+            <a:lvl3pPr marL="914400" algn="l" defTabSz="914400" rtl="0" eaLnBrk="1" latinLnBrk="0" hangingPunct="1">
+              <a:defRPr kumimoji="1" sz="1800" kern="1200">
+                <a:solidFill>
+                  <a:schemeClr val="tx1"/>
+                </a:solidFill>
+                <a:latin typeface="+mn-lt"/>
+                <a:ea typeface="+mn-ea"/>
+                <a:cs typeface="+mn-cs"/>
+              </a:defRPr>
+            </a:lvl3pPr>
+            <a:lvl4pPr marL="1371600" algn="l" defTabSz="914400" rtl="0" eaLnBrk="1" latinLnBrk="0" hangingPunct="1">
+              <a:defRPr kumimoji="1" sz="1800" kern="1200">
+                <a:solidFill>
+                  <a:schemeClr val="tx1"/>
+                </a:solidFill>
+                <a:latin typeface="+mn-lt"/>
+                <a:ea typeface="+mn-ea"/>
+                <a:cs typeface="+mn-cs"/>
+              </a:defRPr>
+            </a:lvl4pPr>
+            <a:lvl5pPr marL="1828800" algn="l" defTabSz="914400" rtl="0" eaLnBrk="1" latinLnBrk="0" hangingPunct="1">
+              <a:defRPr kumimoji="1" sz="1800" kern="1200">
+                <a:solidFill>
+                  <a:schemeClr val="tx1"/>
+                </a:solidFill>
+                <a:latin typeface="+mn-lt"/>
+                <a:ea typeface="+mn-ea"/>
+                <a:cs typeface="+mn-cs"/>
+              </a:defRPr>
+            </a:lvl5pPr>
+            <a:lvl6pPr marL="2286000" algn="l" defTabSz="914400" rtl="0" eaLnBrk="1" latinLnBrk="0" hangingPunct="1">
+              <a:defRPr kumimoji="1" sz="1800" kern="1200">
+                <a:solidFill>
+                  <a:schemeClr val="tx1"/>
+                </a:solidFill>
+                <a:latin typeface="+mn-lt"/>
+                <a:ea typeface="+mn-ea"/>
+                <a:cs typeface="+mn-cs"/>
+              </a:defRPr>
+            </a:lvl6pPr>
+            <a:lvl7pPr marL="2743200" algn="l" defTabSz="914400" rtl="0" eaLnBrk="1" latinLnBrk="0" hangingPunct="1">
+              <a:defRPr kumimoji="1" sz="1800" kern="1200">
+                <a:solidFill>
+                  <a:schemeClr val="tx1"/>
+                </a:solidFill>
+                <a:latin typeface="+mn-lt"/>
+                <a:ea typeface="+mn-ea"/>
+                <a:cs typeface="+mn-cs"/>
+              </a:defRPr>
+            </a:lvl7pPr>
+            <a:lvl8pPr marL="3200400" algn="l" defTabSz="914400" rtl="0" eaLnBrk="1" latinLnBrk="0" hangingPunct="1">
+              <a:defRPr kumimoji="1" sz="1800" kern="1200">
+                <a:solidFill>
+                  <a:schemeClr val="tx1"/>
+                </a:solidFill>
+                <a:latin typeface="+mn-lt"/>
+                <a:ea typeface="+mn-ea"/>
+                <a:cs typeface="+mn-cs"/>
+              </a:defRPr>
+            </a:lvl8pPr>
+            <a:lvl9pPr marL="3657600" algn="l" defTabSz="914400" rtl="0" eaLnBrk="1" latinLnBrk="0" hangingPunct="1">
+              <a:defRPr kumimoji="1" sz="1800" kern="1200">
+                <a:solidFill>
+                  <a:schemeClr val="tx1"/>
+                </a:solidFill>
+                <a:latin typeface="+mn-lt"/>
+                <a:ea typeface="+mn-ea"/>
+                <a:cs typeface="+mn-cs"/>
+              </a:defRPr>
+            </a:lvl9pPr>
+          </a:lstStyle>
+          <a:p>
+            <a:r>
+              <a:rPr lang="en-US" altLang="ja-JP" sz="2400" b="1" dirty="0">
+                <a:solidFill>
+                  <a:schemeClr val="accent6">
+                    <a:lumMod val="60000"/>
+                    <a:lumOff val="40000"/>
+                  </a:schemeClr>
+                </a:solidFill>
+                <a:latin typeface="+mn-ea"/>
+              </a:rPr>
+              <a:t>10</a:t>
+            </a:r>
+            <a:r>
+              <a:rPr kumimoji="1" lang="en-US" altLang="ja-JP" sz="2400" b="1" dirty="0">
+                <a:solidFill>
+                  <a:schemeClr val="accent6">
+                    <a:lumMod val="60000"/>
+                    <a:lumOff val="40000"/>
+                  </a:schemeClr>
+                </a:solidFill>
+                <a:latin typeface="+mn-ea"/>
+              </a:rPr>
+              <a:t>0+150+100</a:t>
+            </a:r>
+            <a:endParaRPr kumimoji="1" lang="ja-JP" altLang="en-US" sz="2400" b="1" dirty="0">
+              <a:solidFill>
+                <a:schemeClr val="accent6">
+                  <a:lumMod val="60000"/>
+                  <a:lumOff val="40000"/>
+                </a:schemeClr>
+              </a:solidFill>
+              <a:latin typeface="+mn-ea"/>
+            </a:endParaRPr>
+          </a:p>
+        </p:txBody>
+      </p:sp>
+      <p:sp>
+        <p:nvSpPr>
+          <p:cNvPr id="103" name="テキスト ボックス 68">
+            <a:extLst>
+              <a:ext uri="{FF2B5EF4-FFF2-40B4-BE49-F238E27FC236}">
+                <a16:creationId xmlns:a16="http://schemas.microsoft.com/office/drawing/2014/main" id="{0C019F85-74F1-411C-A1F5-64E29F142FFA}"/>
+              </a:ext>
+            </a:extLst>
+          </p:cNvPr>
+          <p:cNvSpPr txBox="1"/>
+          <p:nvPr/>
+        </p:nvSpPr>
+        <p:spPr>
+          <a:xfrm>
+            <a:off x="7511905" y="4263900"/>
+            <a:ext cx="2230098" cy="461665"/>
+          </a:xfrm>
+          <a:prstGeom prst="rect">
+            <a:avLst/>
+          </a:prstGeom>
+          <a:noFill/>
+        </p:spPr>
+        <p:txBody>
+          <a:bodyPr wrap="none" rtlCol="0">
+            <a:spAutoFit/>
+          </a:bodyPr>
+          <a:lstStyle>
+            <a:defPPr>
+              <a:defRPr lang="ja-JP"/>
+            </a:defPPr>
+            <a:lvl1pPr marL="0" algn="l" defTabSz="914400" rtl="0" eaLnBrk="1" latinLnBrk="0" hangingPunct="1">
+              <a:defRPr kumimoji="1" sz="1800" kern="1200">
+                <a:solidFill>
+                  <a:schemeClr val="tx1"/>
+                </a:solidFill>
+                <a:latin typeface="+mn-lt"/>
+                <a:ea typeface="+mn-ea"/>
+                <a:cs typeface="+mn-cs"/>
+              </a:defRPr>
+            </a:lvl1pPr>
+            <a:lvl2pPr marL="457200" algn="l" defTabSz="914400" rtl="0" eaLnBrk="1" latinLnBrk="0" hangingPunct="1">
+              <a:defRPr kumimoji="1" sz="1800" kern="1200">
+                <a:solidFill>
+                  <a:schemeClr val="tx1"/>
+                </a:solidFill>
+                <a:latin typeface="+mn-lt"/>
+                <a:ea typeface="+mn-ea"/>
+                <a:cs typeface="+mn-cs"/>
+              </a:defRPr>
+            </a:lvl2pPr>
+            <a:lvl3pPr marL="914400" algn="l" defTabSz="914400" rtl="0" eaLnBrk="1" latinLnBrk="0" hangingPunct="1">
+              <a:defRPr kumimoji="1" sz="1800" kern="1200">
+                <a:solidFill>
+                  <a:schemeClr val="tx1"/>
+                </a:solidFill>
+                <a:latin typeface="+mn-lt"/>
+                <a:ea typeface="+mn-ea"/>
+                <a:cs typeface="+mn-cs"/>
+              </a:defRPr>
+            </a:lvl3pPr>
+            <a:lvl4pPr marL="1371600" algn="l" defTabSz="914400" rtl="0" eaLnBrk="1" latinLnBrk="0" hangingPunct="1">
+              <a:defRPr kumimoji="1" sz="1800" kern="1200">
+                <a:solidFill>
+                  <a:schemeClr val="tx1"/>
+                </a:solidFill>
+                <a:latin typeface="+mn-lt"/>
+                <a:ea typeface="+mn-ea"/>
+                <a:cs typeface="+mn-cs"/>
+              </a:defRPr>
+            </a:lvl4pPr>
+            <a:lvl5pPr marL="1828800" algn="l" defTabSz="914400" rtl="0" eaLnBrk="1" latinLnBrk="0" hangingPunct="1">
+              <a:defRPr kumimoji="1" sz="1800" kern="1200">
+                <a:solidFill>
+                  <a:schemeClr val="tx1"/>
+                </a:solidFill>
+                <a:latin typeface="+mn-lt"/>
+                <a:ea typeface="+mn-ea"/>
+                <a:cs typeface="+mn-cs"/>
+              </a:defRPr>
+            </a:lvl5pPr>
+            <a:lvl6pPr marL="2286000" algn="l" defTabSz="914400" rtl="0" eaLnBrk="1" latinLnBrk="0" hangingPunct="1">
+              <a:defRPr kumimoji="1" sz="1800" kern="1200">
+                <a:solidFill>
+                  <a:schemeClr val="tx1"/>
+                </a:solidFill>
+                <a:latin typeface="+mn-lt"/>
+                <a:ea typeface="+mn-ea"/>
+                <a:cs typeface="+mn-cs"/>
+              </a:defRPr>
+            </a:lvl6pPr>
+            <a:lvl7pPr marL="2743200" algn="l" defTabSz="914400" rtl="0" eaLnBrk="1" latinLnBrk="0" hangingPunct="1">
+              <a:defRPr kumimoji="1" sz="1800" kern="1200">
+                <a:solidFill>
+                  <a:schemeClr val="tx1"/>
+                </a:solidFill>
+                <a:latin typeface="+mn-lt"/>
+                <a:ea typeface="+mn-ea"/>
+                <a:cs typeface="+mn-cs"/>
+              </a:defRPr>
+            </a:lvl7pPr>
+            <a:lvl8pPr marL="3200400" algn="l" defTabSz="914400" rtl="0" eaLnBrk="1" latinLnBrk="0" hangingPunct="1">
+              <a:defRPr kumimoji="1" sz="1800" kern="1200">
+                <a:solidFill>
+                  <a:schemeClr val="tx1"/>
+                </a:solidFill>
+                <a:latin typeface="+mn-lt"/>
+                <a:ea typeface="+mn-ea"/>
+                <a:cs typeface="+mn-cs"/>
+              </a:defRPr>
+            </a:lvl8pPr>
+            <a:lvl9pPr marL="3657600" algn="l" defTabSz="914400" rtl="0" eaLnBrk="1" latinLnBrk="0" hangingPunct="1">
+              <a:defRPr kumimoji="1" sz="1800" kern="1200">
+                <a:solidFill>
+                  <a:schemeClr val="tx1"/>
+                </a:solidFill>
+                <a:latin typeface="+mn-lt"/>
+                <a:ea typeface="+mn-ea"/>
+                <a:cs typeface="+mn-cs"/>
+              </a:defRPr>
+            </a:lvl9pPr>
+          </a:lstStyle>
+          <a:p>
+            <a:r>
+              <a:rPr lang="en-US" altLang="ja-JP" sz="2400" b="1" dirty="0">
+                <a:solidFill>
+                  <a:schemeClr val="accent6">
+                    <a:lumMod val="60000"/>
+                    <a:lumOff val="40000"/>
+                  </a:schemeClr>
+                </a:solidFill>
+                <a:latin typeface="+mn-ea"/>
+              </a:rPr>
+              <a:t>10</a:t>
+            </a:r>
+            <a:r>
+              <a:rPr kumimoji="1" lang="en-US" altLang="ja-JP" sz="2400" b="1" dirty="0">
+                <a:solidFill>
+                  <a:schemeClr val="accent6">
+                    <a:lumMod val="60000"/>
+                    <a:lumOff val="40000"/>
+                  </a:schemeClr>
+                </a:solidFill>
+                <a:latin typeface="+mn-ea"/>
+              </a:rPr>
+              <a:t>0+150+100</a:t>
+            </a:r>
+            <a:endParaRPr kumimoji="1" lang="ja-JP" altLang="en-US" sz="2400" b="1" dirty="0">
+              <a:solidFill>
+                <a:schemeClr val="accent6">
+                  <a:lumMod val="60000"/>
+                  <a:lumOff val="40000"/>
+                </a:schemeClr>
+              </a:solidFill>
+              <a:latin typeface="+mn-ea"/>
+            </a:endParaRPr>
+          </a:p>
+        </p:txBody>
+      </p:sp>
+      <p:sp>
+        <p:nvSpPr>
+          <p:cNvPr id="104" name="テキスト ボックス 68">
+            <a:extLst>
+              <a:ext uri="{FF2B5EF4-FFF2-40B4-BE49-F238E27FC236}">
+                <a16:creationId xmlns:a16="http://schemas.microsoft.com/office/drawing/2014/main" id="{B4464610-0524-4E6E-AD3A-AE133BF1BE42}"/>
+              </a:ext>
+            </a:extLst>
+          </p:cNvPr>
+          <p:cNvSpPr txBox="1"/>
+          <p:nvPr/>
+        </p:nvSpPr>
+        <p:spPr>
+          <a:xfrm>
+            <a:off x="4431197" y="4003105"/>
+            <a:ext cx="2230098" cy="461665"/>
+          </a:xfrm>
+          <a:prstGeom prst="rect">
+            <a:avLst/>
+          </a:prstGeom>
+          <a:noFill/>
+        </p:spPr>
+        <p:txBody>
+          <a:bodyPr wrap="none" rtlCol="0">
+            <a:spAutoFit/>
+          </a:bodyPr>
+          <a:lstStyle>
+            <a:defPPr>
+              <a:defRPr lang="ja-JP"/>
+            </a:defPPr>
+            <a:lvl1pPr marL="0" algn="l" defTabSz="914400" rtl="0" eaLnBrk="1" latinLnBrk="0" hangingPunct="1">
+              <a:defRPr kumimoji="1" sz="1800" kern="1200">
+                <a:solidFill>
+                  <a:schemeClr val="tx1"/>
+                </a:solidFill>
+                <a:latin typeface="+mn-lt"/>
+                <a:ea typeface="+mn-ea"/>
+                <a:cs typeface="+mn-cs"/>
+              </a:defRPr>
+            </a:lvl1pPr>
+            <a:lvl2pPr marL="457200" algn="l" defTabSz="914400" rtl="0" eaLnBrk="1" latinLnBrk="0" hangingPunct="1">
+              <a:defRPr kumimoji="1" sz="1800" kern="1200">
+                <a:solidFill>
+                  <a:schemeClr val="tx1"/>
+                </a:solidFill>
+                <a:latin typeface="+mn-lt"/>
+                <a:ea typeface="+mn-ea"/>
+                <a:cs typeface="+mn-cs"/>
+              </a:defRPr>
+            </a:lvl2pPr>
+            <a:lvl3pPr marL="914400" algn="l" defTabSz="914400" rtl="0" eaLnBrk="1" latinLnBrk="0" hangingPunct="1">
+              <a:defRPr kumimoji="1" sz="1800" kern="1200">
+                <a:solidFill>
+                  <a:schemeClr val="tx1"/>
+                </a:solidFill>
+                <a:latin typeface="+mn-lt"/>
+                <a:ea typeface="+mn-ea"/>
+                <a:cs typeface="+mn-cs"/>
+              </a:defRPr>
+            </a:lvl3pPr>
+            <a:lvl4pPr marL="1371600" algn="l" defTabSz="914400" rtl="0" eaLnBrk="1" latinLnBrk="0" hangingPunct="1">
+              <a:defRPr kumimoji="1" sz="1800" kern="1200">
+                <a:solidFill>
+                  <a:schemeClr val="tx1"/>
+                </a:solidFill>
+                <a:latin typeface="+mn-lt"/>
+                <a:ea typeface="+mn-ea"/>
+                <a:cs typeface="+mn-cs"/>
+              </a:defRPr>
+            </a:lvl4pPr>
+            <a:lvl5pPr marL="1828800" algn="l" defTabSz="914400" rtl="0" eaLnBrk="1" latinLnBrk="0" hangingPunct="1">
+              <a:defRPr kumimoji="1" sz="1800" kern="1200">
+                <a:solidFill>
+                  <a:schemeClr val="tx1"/>
+                </a:solidFill>
+                <a:latin typeface="+mn-lt"/>
+                <a:ea typeface="+mn-ea"/>
+                <a:cs typeface="+mn-cs"/>
+              </a:defRPr>
+            </a:lvl5pPr>
+            <a:lvl6pPr marL="2286000" algn="l" defTabSz="914400" rtl="0" eaLnBrk="1" latinLnBrk="0" hangingPunct="1">
+              <a:defRPr kumimoji="1" sz="1800" kern="1200">
+                <a:solidFill>
+                  <a:schemeClr val="tx1"/>
+                </a:solidFill>
+                <a:latin typeface="+mn-lt"/>
+                <a:ea typeface="+mn-ea"/>
+                <a:cs typeface="+mn-cs"/>
+              </a:defRPr>
+            </a:lvl6pPr>
+            <a:lvl7pPr marL="2743200" algn="l" defTabSz="914400" rtl="0" eaLnBrk="1" latinLnBrk="0" hangingPunct="1">
+              <a:defRPr kumimoji="1" sz="1800" kern="1200">
+                <a:solidFill>
+                  <a:schemeClr val="tx1"/>
+                </a:solidFill>
+                <a:latin typeface="+mn-lt"/>
+                <a:ea typeface="+mn-ea"/>
+                <a:cs typeface="+mn-cs"/>
+              </a:defRPr>
+            </a:lvl7pPr>
+            <a:lvl8pPr marL="3200400" algn="l" defTabSz="914400" rtl="0" eaLnBrk="1" latinLnBrk="0" hangingPunct="1">
+              <a:defRPr kumimoji="1" sz="1800" kern="1200">
+                <a:solidFill>
+                  <a:schemeClr val="tx1"/>
+                </a:solidFill>
+                <a:latin typeface="+mn-lt"/>
+                <a:ea typeface="+mn-ea"/>
+                <a:cs typeface="+mn-cs"/>
+              </a:defRPr>
+            </a:lvl8pPr>
+            <a:lvl9pPr marL="3657600" algn="l" defTabSz="914400" rtl="0" eaLnBrk="1" latinLnBrk="0" hangingPunct="1">
+              <a:defRPr kumimoji="1" sz="1800" kern="1200">
+                <a:solidFill>
+                  <a:schemeClr val="tx1"/>
+                </a:solidFill>
+                <a:latin typeface="+mn-lt"/>
+                <a:ea typeface="+mn-ea"/>
+                <a:cs typeface="+mn-cs"/>
+              </a:defRPr>
+            </a:lvl9pPr>
+          </a:lstStyle>
+          <a:p>
+            <a:r>
+              <a:rPr lang="en-US" altLang="ja-JP" sz="2400" b="1" dirty="0">
+                <a:solidFill>
+                  <a:schemeClr val="accent6">
+                    <a:lumMod val="60000"/>
+                    <a:lumOff val="40000"/>
+                  </a:schemeClr>
+                </a:solidFill>
+                <a:latin typeface="+mn-ea"/>
+              </a:rPr>
+              <a:t>10</a:t>
+            </a:r>
+            <a:r>
+              <a:rPr kumimoji="1" lang="en-US" altLang="ja-JP" sz="2400" b="1" dirty="0">
+                <a:solidFill>
+                  <a:schemeClr val="accent6">
+                    <a:lumMod val="60000"/>
+                    <a:lumOff val="40000"/>
+                  </a:schemeClr>
+                </a:solidFill>
+                <a:latin typeface="+mn-ea"/>
+              </a:rPr>
+              <a:t>0+150+100</a:t>
+            </a:r>
+            <a:endParaRPr kumimoji="1" lang="ja-JP" altLang="en-US" sz="2400" b="1" dirty="0">
+              <a:solidFill>
+                <a:schemeClr val="accent6">
+                  <a:lumMod val="60000"/>
+                  <a:lumOff val="40000"/>
+                </a:schemeClr>
+              </a:solidFill>
+              <a:latin typeface="+mn-ea"/>
+            </a:endParaRPr>
+          </a:p>
+        </p:txBody>
+      </p:sp>
+      <p:sp>
+        <p:nvSpPr>
+          <p:cNvPr id="105" name="テキスト ボックス 68">
+            <a:extLst>
+              <a:ext uri="{FF2B5EF4-FFF2-40B4-BE49-F238E27FC236}">
+                <a16:creationId xmlns:a16="http://schemas.microsoft.com/office/drawing/2014/main" id="{58C08649-2AEA-4B84-BCFF-2AC00369B9B9}"/>
+              </a:ext>
+            </a:extLst>
+          </p:cNvPr>
+          <p:cNvSpPr txBox="1"/>
+          <p:nvPr/>
+        </p:nvSpPr>
+        <p:spPr>
+          <a:xfrm>
+            <a:off x="4283346" y="983492"/>
+            <a:ext cx="1471878" cy="461665"/>
+          </a:xfrm>
+          <a:prstGeom prst="rect">
+            <a:avLst/>
+          </a:prstGeom>
+          <a:noFill/>
+        </p:spPr>
+        <p:txBody>
+          <a:bodyPr wrap="none" rtlCol="0">
+            <a:spAutoFit/>
+          </a:bodyPr>
+          <a:lstStyle>
+            <a:defPPr>
+              <a:defRPr lang="ja-JP"/>
+            </a:defPPr>
+            <a:lvl1pPr marL="0" algn="l" defTabSz="914400" rtl="0" eaLnBrk="1" latinLnBrk="0" hangingPunct="1">
+              <a:defRPr kumimoji="1" sz="1800" kern="1200">
+                <a:solidFill>
+                  <a:schemeClr val="tx1"/>
+                </a:solidFill>
+                <a:latin typeface="+mn-lt"/>
+                <a:ea typeface="+mn-ea"/>
+                <a:cs typeface="+mn-cs"/>
+              </a:defRPr>
+            </a:lvl1pPr>
+            <a:lvl2pPr marL="457200" algn="l" defTabSz="914400" rtl="0" eaLnBrk="1" latinLnBrk="0" hangingPunct="1">
+              <a:defRPr kumimoji="1" sz="1800" kern="1200">
+                <a:solidFill>
+                  <a:schemeClr val="tx1"/>
+                </a:solidFill>
+                <a:latin typeface="+mn-lt"/>
+                <a:ea typeface="+mn-ea"/>
+                <a:cs typeface="+mn-cs"/>
+              </a:defRPr>
+            </a:lvl2pPr>
+            <a:lvl3pPr marL="914400" algn="l" defTabSz="914400" rtl="0" eaLnBrk="1" latinLnBrk="0" hangingPunct="1">
+              <a:defRPr kumimoji="1" sz="1800" kern="1200">
+                <a:solidFill>
+                  <a:schemeClr val="tx1"/>
+                </a:solidFill>
+                <a:latin typeface="+mn-lt"/>
+                <a:ea typeface="+mn-ea"/>
+                <a:cs typeface="+mn-cs"/>
+              </a:defRPr>
+            </a:lvl3pPr>
+            <a:lvl4pPr marL="1371600" algn="l" defTabSz="914400" rtl="0" eaLnBrk="1" latinLnBrk="0" hangingPunct="1">
+              <a:defRPr kumimoji="1" sz="1800" kern="1200">
+                <a:solidFill>
+                  <a:schemeClr val="tx1"/>
+                </a:solidFill>
+                <a:latin typeface="+mn-lt"/>
+                <a:ea typeface="+mn-ea"/>
+                <a:cs typeface="+mn-cs"/>
+              </a:defRPr>
+            </a:lvl4pPr>
+            <a:lvl5pPr marL="1828800" algn="l" defTabSz="914400" rtl="0" eaLnBrk="1" latinLnBrk="0" hangingPunct="1">
+              <a:defRPr kumimoji="1" sz="1800" kern="1200">
+                <a:solidFill>
+                  <a:schemeClr val="tx1"/>
+                </a:solidFill>
+                <a:latin typeface="+mn-lt"/>
+                <a:ea typeface="+mn-ea"/>
+                <a:cs typeface="+mn-cs"/>
+              </a:defRPr>
+            </a:lvl5pPr>
+            <a:lvl6pPr marL="2286000" algn="l" defTabSz="914400" rtl="0" eaLnBrk="1" latinLnBrk="0" hangingPunct="1">
+              <a:defRPr kumimoji="1" sz="1800" kern="1200">
+                <a:solidFill>
+                  <a:schemeClr val="tx1"/>
+                </a:solidFill>
+                <a:latin typeface="+mn-lt"/>
+                <a:ea typeface="+mn-ea"/>
+                <a:cs typeface="+mn-cs"/>
+              </a:defRPr>
+            </a:lvl6pPr>
+            <a:lvl7pPr marL="2743200" algn="l" defTabSz="914400" rtl="0" eaLnBrk="1" latinLnBrk="0" hangingPunct="1">
+              <a:defRPr kumimoji="1" sz="1800" kern="1200">
+                <a:solidFill>
+                  <a:schemeClr val="tx1"/>
+                </a:solidFill>
+                <a:latin typeface="+mn-lt"/>
+                <a:ea typeface="+mn-ea"/>
+                <a:cs typeface="+mn-cs"/>
+              </a:defRPr>
+            </a:lvl7pPr>
+            <a:lvl8pPr marL="3200400" algn="l" defTabSz="914400" rtl="0" eaLnBrk="1" latinLnBrk="0" hangingPunct="1">
+              <a:defRPr kumimoji="1" sz="1800" kern="1200">
+                <a:solidFill>
+                  <a:schemeClr val="tx1"/>
+                </a:solidFill>
+                <a:latin typeface="+mn-lt"/>
+                <a:ea typeface="+mn-ea"/>
+                <a:cs typeface="+mn-cs"/>
+              </a:defRPr>
+            </a:lvl8pPr>
+            <a:lvl9pPr marL="3657600" algn="l" defTabSz="914400" rtl="0" eaLnBrk="1" latinLnBrk="0" hangingPunct="1">
+              <a:defRPr kumimoji="1" sz="1800" kern="1200">
+                <a:solidFill>
+                  <a:schemeClr val="tx1"/>
+                </a:solidFill>
+                <a:latin typeface="+mn-lt"/>
+                <a:ea typeface="+mn-ea"/>
+                <a:cs typeface="+mn-cs"/>
+              </a:defRPr>
+            </a:lvl9pPr>
+          </a:lstStyle>
+          <a:p>
+            <a:r>
+              <a:rPr kumimoji="1" lang="en-US" altLang="ja-JP" sz="2400" b="1" dirty="0">
+                <a:solidFill>
+                  <a:schemeClr val="accent6">
+                    <a:lumMod val="60000"/>
+                    <a:lumOff val="40000"/>
+                  </a:schemeClr>
+                </a:solidFill>
+                <a:latin typeface="+mn-ea"/>
+              </a:rPr>
+              <a:t>150+100</a:t>
+            </a:r>
+            <a:endParaRPr kumimoji="1" lang="ja-JP" altLang="en-US" sz="2400" b="1" dirty="0">
+              <a:solidFill>
+                <a:schemeClr val="accent6">
+                  <a:lumMod val="60000"/>
+                  <a:lumOff val="40000"/>
+                </a:schemeClr>
+              </a:solidFill>
+              <a:latin typeface="+mn-ea"/>
+            </a:endParaRPr>
+          </a:p>
+        </p:txBody>
+      </p:sp>
+      <p:sp>
+        <p:nvSpPr>
+          <p:cNvPr id="106" name="テキスト ボックス 68">
+            <a:extLst>
+              <a:ext uri="{FF2B5EF4-FFF2-40B4-BE49-F238E27FC236}">
+                <a16:creationId xmlns:a16="http://schemas.microsoft.com/office/drawing/2014/main" id="{B14108E2-CC95-4C1B-9E78-318F213125E8}"/>
+              </a:ext>
+            </a:extLst>
+          </p:cNvPr>
+          <p:cNvSpPr txBox="1"/>
+          <p:nvPr/>
+        </p:nvSpPr>
+        <p:spPr>
+          <a:xfrm>
+            <a:off x="8332020" y="1592873"/>
+            <a:ext cx="2020105" cy="830997"/>
+          </a:xfrm>
+          <a:prstGeom prst="rect">
+            <a:avLst/>
+          </a:prstGeom>
+          <a:noFill/>
+        </p:spPr>
+        <p:txBody>
+          <a:bodyPr wrap="none" rtlCol="0">
+            <a:spAutoFit/>
+          </a:bodyPr>
+          <a:lstStyle>
+            <a:defPPr>
+              <a:defRPr lang="ja-JP"/>
+            </a:defPPr>
+            <a:lvl1pPr marL="0" algn="l" defTabSz="914400" rtl="0" eaLnBrk="1" latinLnBrk="0" hangingPunct="1">
+              <a:defRPr kumimoji="1" sz="1800" kern="1200">
+                <a:solidFill>
+                  <a:schemeClr val="tx1"/>
+                </a:solidFill>
+                <a:latin typeface="+mn-lt"/>
+                <a:ea typeface="+mn-ea"/>
+                <a:cs typeface="+mn-cs"/>
+              </a:defRPr>
+            </a:lvl1pPr>
+            <a:lvl2pPr marL="457200" algn="l" defTabSz="914400" rtl="0" eaLnBrk="1" latinLnBrk="0" hangingPunct="1">
+              <a:defRPr kumimoji="1" sz="1800" kern="1200">
+                <a:solidFill>
+                  <a:schemeClr val="tx1"/>
+                </a:solidFill>
+                <a:latin typeface="+mn-lt"/>
+                <a:ea typeface="+mn-ea"/>
+                <a:cs typeface="+mn-cs"/>
+              </a:defRPr>
+            </a:lvl2pPr>
+            <a:lvl3pPr marL="914400" algn="l" defTabSz="914400" rtl="0" eaLnBrk="1" latinLnBrk="0" hangingPunct="1">
+              <a:defRPr kumimoji="1" sz="1800" kern="1200">
+                <a:solidFill>
+                  <a:schemeClr val="tx1"/>
+                </a:solidFill>
+                <a:latin typeface="+mn-lt"/>
+                <a:ea typeface="+mn-ea"/>
+                <a:cs typeface="+mn-cs"/>
+              </a:defRPr>
+            </a:lvl3pPr>
+            <a:lvl4pPr marL="1371600" algn="l" defTabSz="914400" rtl="0" eaLnBrk="1" latinLnBrk="0" hangingPunct="1">
+              <a:defRPr kumimoji="1" sz="1800" kern="1200">
+                <a:solidFill>
+                  <a:schemeClr val="tx1"/>
+                </a:solidFill>
+                <a:latin typeface="+mn-lt"/>
+                <a:ea typeface="+mn-ea"/>
+                <a:cs typeface="+mn-cs"/>
+              </a:defRPr>
+            </a:lvl4pPr>
+            <a:lvl5pPr marL="1828800" algn="l" defTabSz="914400" rtl="0" eaLnBrk="1" latinLnBrk="0" hangingPunct="1">
+              <a:defRPr kumimoji="1" sz="1800" kern="1200">
+                <a:solidFill>
+                  <a:schemeClr val="tx1"/>
+                </a:solidFill>
+                <a:latin typeface="+mn-lt"/>
+                <a:ea typeface="+mn-ea"/>
+                <a:cs typeface="+mn-cs"/>
+              </a:defRPr>
+            </a:lvl5pPr>
+            <a:lvl6pPr marL="2286000" algn="l" defTabSz="914400" rtl="0" eaLnBrk="1" latinLnBrk="0" hangingPunct="1">
+              <a:defRPr kumimoji="1" sz="1800" kern="1200">
+                <a:solidFill>
+                  <a:schemeClr val="tx1"/>
+                </a:solidFill>
+                <a:latin typeface="+mn-lt"/>
+                <a:ea typeface="+mn-ea"/>
+                <a:cs typeface="+mn-cs"/>
+              </a:defRPr>
+            </a:lvl6pPr>
+            <a:lvl7pPr marL="2743200" algn="l" defTabSz="914400" rtl="0" eaLnBrk="1" latinLnBrk="0" hangingPunct="1">
+              <a:defRPr kumimoji="1" sz="1800" kern="1200">
+                <a:solidFill>
+                  <a:schemeClr val="tx1"/>
+                </a:solidFill>
+                <a:latin typeface="+mn-lt"/>
+                <a:ea typeface="+mn-ea"/>
+                <a:cs typeface="+mn-cs"/>
+              </a:defRPr>
+            </a:lvl7pPr>
+            <a:lvl8pPr marL="3200400" algn="l" defTabSz="914400" rtl="0" eaLnBrk="1" latinLnBrk="0" hangingPunct="1">
+              <a:defRPr kumimoji="1" sz="1800" kern="1200">
+                <a:solidFill>
+                  <a:schemeClr val="tx1"/>
+                </a:solidFill>
+                <a:latin typeface="+mn-lt"/>
+                <a:ea typeface="+mn-ea"/>
+                <a:cs typeface="+mn-cs"/>
+              </a:defRPr>
+            </a:lvl8pPr>
+            <a:lvl9pPr marL="3657600" algn="l" defTabSz="914400" rtl="0" eaLnBrk="1" latinLnBrk="0" hangingPunct="1">
+              <a:defRPr kumimoji="1" sz="1800" kern="1200">
+                <a:solidFill>
+                  <a:schemeClr val="tx1"/>
+                </a:solidFill>
+                <a:latin typeface="+mn-lt"/>
+                <a:ea typeface="+mn-ea"/>
+                <a:cs typeface="+mn-cs"/>
+              </a:defRPr>
+            </a:lvl9pPr>
+          </a:lstStyle>
+          <a:p>
+            <a:r>
+              <a:rPr kumimoji="1" lang="en-US" altLang="ja-JP" sz="2400" b="1" dirty="0">
+                <a:solidFill>
+                  <a:schemeClr val="accent6">
+                    <a:lumMod val="60000"/>
+                    <a:lumOff val="40000"/>
+                  </a:schemeClr>
+                </a:solidFill>
+                <a:latin typeface="+mn-ea"/>
+              </a:rPr>
+              <a:t>150+100</a:t>
+            </a:r>
+          </a:p>
+          <a:p>
+            <a:r>
+              <a:rPr lang="en-US" altLang="ja-JP" sz="2400" b="1" dirty="0">
+                <a:solidFill>
+                  <a:schemeClr val="accent6">
+                    <a:lumMod val="60000"/>
+                    <a:lumOff val="40000"/>
+                  </a:schemeClr>
+                </a:solidFill>
+                <a:latin typeface="+mn-ea"/>
+              </a:rPr>
+              <a:t>(VVF2.0-2C)</a:t>
+            </a:r>
+            <a:endParaRPr kumimoji="1" lang="ja-JP" altLang="en-US" sz="2400" b="1" dirty="0">
+              <a:solidFill>
+                <a:schemeClr val="accent6">
+                  <a:lumMod val="60000"/>
+                  <a:lumOff val="40000"/>
+                </a:schemeClr>
+              </a:solidFill>
+              <a:latin typeface="+mn-ea"/>
+            </a:endParaRPr>
+          </a:p>
+        </p:txBody>
+      </p:sp>
+      <p:sp>
+        <p:nvSpPr>
+          <p:cNvPr id="107" name="楕円 106">
+            <a:extLst>
+              <a:ext uri="{FF2B5EF4-FFF2-40B4-BE49-F238E27FC236}">
+                <a16:creationId xmlns:a16="http://schemas.microsoft.com/office/drawing/2014/main" id="{323B1543-4489-4AFD-9C55-926190485048}"/>
+              </a:ext>
+            </a:extLst>
+          </p:cNvPr>
+          <p:cNvSpPr/>
+          <p:nvPr/>
+        </p:nvSpPr>
+        <p:spPr>
+          <a:xfrm>
+            <a:off x="5800939" y="4464770"/>
+            <a:ext cx="866309" cy="413844"/>
+          </a:xfrm>
+          <a:prstGeom prst="ellipse">
+            <a:avLst/>
+          </a:prstGeom>
+          <a:noFill/>
+          <a:ln w="28575">
+            <a:solidFill>
+              <a:schemeClr val="accent4">
+                <a:lumMod val="60000"/>
+                <a:lumOff val="40000"/>
+              </a:schemeClr>
+            </a:solidFill>
+            <a:prstDash val="dash"/>
+          </a:ln>
+        </p:spPr>
+        <p:style>
+          <a:lnRef idx="2">
+            <a:schemeClr val="accent1">
+              <a:shade val="50000"/>
+            </a:schemeClr>
+          </a:lnRef>
+          <a:fillRef idx="1">
+            <a:schemeClr val="accent1"/>
+          </a:fillRef>
+          <a:effectRef idx="0">
+            <a:schemeClr val="accent1"/>
+          </a:effectRef>
+          <a:fontRef idx="minor">
+            <a:schemeClr val="lt1"/>
+          </a:fontRef>
+        </p:style>
+        <p:txBody>
+          <a:bodyPr rtlCol="0" anchor="ctr"/>
+          <a:lstStyle/>
+          <a:p>
+            <a:pPr algn="ctr"/>
+            <a:endParaRPr kumimoji="1" lang="ja-JP" altLang="en-US"/>
+          </a:p>
+        </p:txBody>
+      </p:sp>
+      <p:sp>
+        <p:nvSpPr>
+          <p:cNvPr id="108" name="楕円 107">
+            <a:extLst>
+              <a:ext uri="{FF2B5EF4-FFF2-40B4-BE49-F238E27FC236}">
+                <a16:creationId xmlns:a16="http://schemas.microsoft.com/office/drawing/2014/main" id="{DD46237F-CD12-44C6-B42E-F88B09274A16}"/>
+              </a:ext>
+            </a:extLst>
+          </p:cNvPr>
+          <p:cNvSpPr/>
+          <p:nvPr/>
+        </p:nvSpPr>
+        <p:spPr>
+          <a:xfrm>
+            <a:off x="5043950" y="2536177"/>
+            <a:ext cx="866309" cy="699563"/>
+          </a:xfrm>
+          <a:prstGeom prst="ellipse">
+            <a:avLst/>
+          </a:prstGeom>
+          <a:noFill/>
+          <a:ln w="28575">
+            <a:solidFill>
+              <a:schemeClr val="accent4">
+                <a:lumMod val="60000"/>
+                <a:lumOff val="40000"/>
+              </a:schemeClr>
+            </a:solidFill>
+            <a:prstDash val="dash"/>
+          </a:ln>
+        </p:spPr>
+        <p:style>
+          <a:lnRef idx="2">
+            <a:schemeClr val="accent1">
+              <a:shade val="50000"/>
+            </a:schemeClr>
+          </a:lnRef>
+          <a:fillRef idx="1">
+            <a:schemeClr val="accent1"/>
+          </a:fillRef>
+          <a:effectRef idx="0">
+            <a:schemeClr val="accent1"/>
+          </a:effectRef>
+          <a:fontRef idx="minor">
+            <a:schemeClr val="lt1"/>
+          </a:fontRef>
+        </p:style>
+        <p:txBody>
+          <a:bodyPr rtlCol="0" anchor="ctr"/>
+          <a:lstStyle/>
+          <a:p>
+            <a:pPr algn="ctr"/>
+            <a:endParaRPr kumimoji="1" lang="ja-JP" altLang="en-US"/>
+          </a:p>
+        </p:txBody>
+      </p:sp>
+      <p:sp>
+        <p:nvSpPr>
+          <p:cNvPr id="109" name="楕円 108">
+            <a:extLst>
+              <a:ext uri="{FF2B5EF4-FFF2-40B4-BE49-F238E27FC236}">
+                <a16:creationId xmlns:a16="http://schemas.microsoft.com/office/drawing/2014/main" id="{FD760BD7-71A1-4A0D-86A9-3A646DBC9DA9}"/>
+              </a:ext>
+            </a:extLst>
+          </p:cNvPr>
+          <p:cNvSpPr/>
+          <p:nvPr/>
+        </p:nvSpPr>
+        <p:spPr>
+          <a:xfrm>
+            <a:off x="3544594" y="3607819"/>
+            <a:ext cx="1515992" cy="446526"/>
+          </a:xfrm>
+          <a:prstGeom prst="ellipse">
+            <a:avLst/>
+          </a:prstGeom>
+          <a:noFill/>
+          <a:ln w="28575">
+            <a:solidFill>
+              <a:schemeClr val="accent4">
+                <a:lumMod val="60000"/>
+                <a:lumOff val="40000"/>
+              </a:schemeClr>
+            </a:solidFill>
+            <a:prstDash val="dash"/>
+          </a:ln>
+        </p:spPr>
+        <p:style>
+          <a:lnRef idx="2">
+            <a:schemeClr val="accent1">
+              <a:shade val="50000"/>
+            </a:schemeClr>
+          </a:lnRef>
+          <a:fillRef idx="1">
+            <a:schemeClr val="accent1"/>
+          </a:fillRef>
+          <a:effectRef idx="0">
+            <a:schemeClr val="accent1"/>
+          </a:effectRef>
+          <a:fontRef idx="minor">
+            <a:schemeClr val="lt1"/>
+          </a:fontRef>
+        </p:style>
+        <p:txBody>
+          <a:bodyPr rtlCol="0" anchor="ctr"/>
+          <a:lstStyle/>
+          <a:p>
+            <a:pPr algn="ctr"/>
+            <a:endParaRPr kumimoji="1" lang="ja-JP" altLang="en-US"/>
+          </a:p>
+        </p:txBody>
+      </p:sp>
+    </p:spTree>
+    <p:extLst>
+      <p:ext uri="{BB962C8B-B14F-4D97-AF65-F5344CB8AC3E}">
+        <p14:creationId xmlns:p14="http://schemas.microsoft.com/office/powerpoint/2010/main" val="1439272305"/>
+      </p:ext>
+    </p:extLst>
+  </p:cSld>
+  <p:clrMapOvr>
+    <a:masterClrMapping/>
+  </p:clrMapOvr>
+</p:sld>
+</file>
+
 <file path=ppt/theme/theme1.xml><?xml version="1.0" encoding="utf-8"?>
 <a:theme xmlns:a="http://schemas.openxmlformats.org/drawingml/2006/main" name="Office テーマ">
   <a:themeElements>

--- a/algorithm/electricity/03_denki-koujishi/01_kakomon/R1_1/02_jitsugi/q06/a06.pptx
+++ b/algorithm/electricity/03_denki-koujishi/01_kakomon/R1_1/02_jitsugi/q06/a06.pptx
@@ -265,7 +265,7 @@
           <a:p>
             <a:fld id="{EA6D781E-2D27-4EF7-AFED-D0940E0D7738}" type="datetimeFigureOut">
               <a:rPr kumimoji="1" lang="ja-JP" altLang="en-US" smtClean="0"/>
-              <a:t>2020/11/23</a:t>
+              <a:t>2020/11/29</a:t>
             </a:fld>
             <a:endParaRPr kumimoji="1" lang="ja-JP" altLang="en-US"/>
           </a:p>
@@ -495,7 +495,7 @@
           <a:p>
             <a:fld id="{EA6D781E-2D27-4EF7-AFED-D0940E0D7738}" type="datetimeFigureOut">
               <a:rPr kumimoji="1" lang="ja-JP" altLang="en-US" smtClean="0"/>
-              <a:t>2020/11/23</a:t>
+              <a:t>2020/11/29</a:t>
             </a:fld>
             <a:endParaRPr kumimoji="1" lang="ja-JP" altLang="en-US"/>
           </a:p>
@@ -735,7 +735,7 @@
           <a:p>
             <a:fld id="{EA6D781E-2D27-4EF7-AFED-D0940E0D7738}" type="datetimeFigureOut">
               <a:rPr kumimoji="1" lang="ja-JP" altLang="en-US" smtClean="0"/>
-              <a:t>2020/11/23</a:t>
+              <a:t>2020/11/29</a:t>
             </a:fld>
             <a:endParaRPr kumimoji="1" lang="ja-JP" altLang="en-US"/>
           </a:p>
@@ -965,7 +965,7 @@
           <a:p>
             <a:fld id="{EA6D781E-2D27-4EF7-AFED-D0940E0D7738}" type="datetimeFigureOut">
               <a:rPr kumimoji="1" lang="ja-JP" altLang="en-US" smtClean="0"/>
-              <a:t>2020/11/23</a:t>
+              <a:t>2020/11/29</a:t>
             </a:fld>
             <a:endParaRPr kumimoji="1" lang="ja-JP" altLang="en-US"/>
           </a:p>
@@ -1240,7 +1240,7 @@
           <a:p>
             <a:fld id="{EA6D781E-2D27-4EF7-AFED-D0940E0D7738}" type="datetimeFigureOut">
               <a:rPr kumimoji="1" lang="ja-JP" altLang="en-US" smtClean="0"/>
-              <a:t>2020/11/23</a:t>
+              <a:t>2020/11/29</a:t>
             </a:fld>
             <a:endParaRPr kumimoji="1" lang="ja-JP" altLang="en-US"/>
           </a:p>
@@ -1569,7 +1569,7 @@
           <a:p>
             <a:fld id="{EA6D781E-2D27-4EF7-AFED-D0940E0D7738}" type="datetimeFigureOut">
               <a:rPr kumimoji="1" lang="ja-JP" altLang="en-US" smtClean="0"/>
-              <a:t>2020/11/23</a:t>
+              <a:t>2020/11/29</a:t>
             </a:fld>
             <a:endParaRPr kumimoji="1" lang="ja-JP" altLang="en-US"/>
           </a:p>
@@ -2045,7 +2045,7 @@
           <a:p>
             <a:fld id="{EA6D781E-2D27-4EF7-AFED-D0940E0D7738}" type="datetimeFigureOut">
               <a:rPr kumimoji="1" lang="ja-JP" altLang="en-US" smtClean="0"/>
-              <a:t>2020/11/23</a:t>
+              <a:t>2020/11/29</a:t>
             </a:fld>
             <a:endParaRPr kumimoji="1" lang="ja-JP" altLang="en-US"/>
           </a:p>
@@ -2186,7 +2186,7 @@
           <a:p>
             <a:fld id="{EA6D781E-2D27-4EF7-AFED-D0940E0D7738}" type="datetimeFigureOut">
               <a:rPr kumimoji="1" lang="ja-JP" altLang="en-US" smtClean="0"/>
-              <a:t>2020/11/23</a:t>
+              <a:t>2020/11/29</a:t>
             </a:fld>
             <a:endParaRPr kumimoji="1" lang="ja-JP" altLang="en-US"/>
           </a:p>
@@ -2299,7 +2299,7 @@
           <a:p>
             <a:fld id="{EA6D781E-2D27-4EF7-AFED-D0940E0D7738}" type="datetimeFigureOut">
               <a:rPr kumimoji="1" lang="ja-JP" altLang="en-US" smtClean="0"/>
-              <a:t>2020/11/23</a:t>
+              <a:t>2020/11/29</a:t>
             </a:fld>
             <a:endParaRPr kumimoji="1" lang="ja-JP" altLang="en-US"/>
           </a:p>
@@ -2642,7 +2642,7 @@
           <a:p>
             <a:fld id="{EA6D781E-2D27-4EF7-AFED-D0940E0D7738}" type="datetimeFigureOut">
               <a:rPr kumimoji="1" lang="ja-JP" altLang="en-US" smtClean="0"/>
-              <a:t>2020/11/23</a:t>
+              <a:t>2020/11/29</a:t>
             </a:fld>
             <a:endParaRPr kumimoji="1" lang="ja-JP" altLang="en-US"/>
           </a:p>
@@ -2930,7 +2930,7 @@
           <a:p>
             <a:fld id="{EA6D781E-2D27-4EF7-AFED-D0940E0D7738}" type="datetimeFigureOut">
               <a:rPr kumimoji="1" lang="ja-JP" altLang="en-US" smtClean="0"/>
-              <a:t>2020/11/23</a:t>
+              <a:t>2020/11/29</a:t>
             </a:fld>
             <a:endParaRPr kumimoji="1" lang="ja-JP" altLang="en-US"/>
           </a:p>
@@ -3203,7 +3203,7 @@
           <a:p>
             <a:fld id="{EA6D781E-2D27-4EF7-AFED-D0940E0D7738}" type="datetimeFigureOut">
               <a:rPr kumimoji="1" lang="ja-JP" altLang="en-US" smtClean="0"/>
-              <a:t>2020/11/23</a:t>
+              <a:t>2020/11/29</a:t>
             </a:fld>
             <a:endParaRPr kumimoji="1" lang="ja-JP" altLang="en-US"/>
           </a:p>
@@ -19884,7 +19884,7 @@
         </p:nvSpPr>
         <p:spPr>
           <a:xfrm>
-            <a:off x="669799" y="2988530"/>
+            <a:off x="1413710" y="2957420"/>
             <a:ext cx="1471878" cy="461665"/>
           </a:xfrm>
           <a:prstGeom prst="rect">
@@ -20002,7 +20002,7 @@
                 </a:solidFill>
                 <a:latin typeface="+mn-ea"/>
               </a:rPr>
-              <a:t>15</a:t>
+              <a:t>10</a:t>
             </a:r>
             <a:r>
               <a:rPr kumimoji="1" lang="en-US" altLang="ja-JP" sz="2400" b="1" dirty="0">
@@ -20043,9 +20043,9 @@
           <p:nvPr/>
         </p:nvCxnSpPr>
         <p:spPr>
-          <a:xfrm flipH="1" flipV="1">
-            <a:off x="265119" y="1242885"/>
-            <a:ext cx="1431563" cy="23391"/>
+          <a:xfrm>
+            <a:off x="1526286" y="2339358"/>
+            <a:ext cx="4492" cy="521703"/>
           </a:xfrm>
           <a:prstGeom prst="line">
             <a:avLst/>
